--- a/Theory Class-Notes/Unit-2 Arrays and Strings.pptx
+++ b/Theory Class-Notes/Unit-2 Arrays and Strings.pptx
@@ -5,7 +5,7 @@
     <p:sldMasterId id="2147483710" r:id="rId1"/>
   </p:sldMasterIdLst>
   <p:notesMasterIdLst>
-    <p:notesMasterId r:id="rId61"/>
+    <p:notesMasterId r:id="rId72"/>
   </p:notesMasterIdLst>
   <p:sldIdLst>
     <p:sldId id="419" r:id="rId2"/>
@@ -64,9 +64,20 @@
     <p:sldId id="525" r:id="rId55"/>
     <p:sldId id="526" r:id="rId56"/>
     <p:sldId id="527" r:id="rId57"/>
-    <p:sldId id="528" r:id="rId58"/>
-    <p:sldId id="529" r:id="rId59"/>
-    <p:sldId id="531" r:id="rId60"/>
+    <p:sldId id="531" r:id="rId58"/>
+    <p:sldId id="533" r:id="rId59"/>
+    <p:sldId id="534" r:id="rId60"/>
+    <p:sldId id="535" r:id="rId61"/>
+    <p:sldId id="536" r:id="rId62"/>
+    <p:sldId id="528" r:id="rId63"/>
+    <p:sldId id="529" r:id="rId64"/>
+    <p:sldId id="537" r:id="rId65"/>
+    <p:sldId id="538" r:id="rId66"/>
+    <p:sldId id="539" r:id="rId67"/>
+    <p:sldId id="540" r:id="rId68"/>
+    <p:sldId id="541" r:id="rId69"/>
+    <p:sldId id="542" r:id="rId70"/>
+    <p:sldId id="543" r:id="rId71"/>
   </p:sldIdLst>
   <p:sldSz cx="12192000" cy="6858000"/>
   <p:notesSz cx="6858000" cy="9144000"/>
@@ -255,7 +266,7 @@
           <a:p>
             <a:fld id="{61532AF1-4615-4667-912A-829B12F8C4D2}" type="datetimeFigureOut">
               <a:rPr lang="en-IN" smtClean="0"/>
-              <a:t>15-02-2025</a:t>
+              <a:t>17-01-2026</a:t>
             </a:fld>
             <a:endParaRPr lang="en-IN"/>
           </a:p>
@@ -672,7 +683,7 @@
           <a:p>
             <a:fld id="{C43A76A3-ADC8-4477-8FC1-B9DD55D84908}" type="datetime1">
               <a:rPr lang="en-US" smtClean="0"/>
-              <a:t>2/15/2025</a:t>
+              <a:t>1/17/2026</a:t>
             </a:fld>
             <a:endParaRPr lang="en-US" dirty="0"/>
           </a:p>
@@ -870,7 +881,7 @@
           <a:p>
             <a:fld id="{D6762538-DC4D-4667-96E5-B3278DDF8B12}" type="datetime1">
               <a:rPr lang="en-US" smtClean="0"/>
-              <a:t>2/15/2025</a:t>
+              <a:t>1/17/2026</a:t>
             </a:fld>
             <a:endParaRPr lang="en-US"/>
           </a:p>
@@ -1078,7 +1089,7 @@
           <a:p>
             <a:fld id="{05880548-5C08-4BE3-B63E-F2BB63B0B00C}" type="datetime1">
               <a:rPr lang="en-US" smtClean="0"/>
-              <a:t>2/15/2025</a:t>
+              <a:t>1/17/2026</a:t>
             </a:fld>
             <a:endParaRPr lang="en-US"/>
           </a:p>
@@ -1276,7 +1287,7 @@
           <a:p>
             <a:fld id="{DE7F49BE-398D-479A-8A7E-5DDBCA61EDCB}" type="datetime1">
               <a:rPr lang="en-US" smtClean="0"/>
-              <a:t>2/15/2025</a:t>
+              <a:t>1/17/2026</a:t>
             </a:fld>
             <a:endParaRPr lang="en-US" dirty="0"/>
           </a:p>
@@ -1552,7 +1563,7 @@
           <a:p>
             <a:fld id="{CCD0C193-4974-4A1F-9C63-07D595E30D66}" type="datetime1">
               <a:rPr lang="en-US" smtClean="0"/>
-              <a:t>2/15/2025</a:t>
+              <a:t>1/17/2026</a:t>
             </a:fld>
             <a:endParaRPr lang="en-US"/>
           </a:p>
@@ -1819,7 +1830,7 @@
           <a:p>
             <a:fld id="{701AA87F-28D4-4BF0-B81F-877A89DFD5AC}" type="datetime1">
               <a:rPr lang="en-US" smtClean="0"/>
-              <a:t>2/15/2025</a:t>
+              <a:t>1/17/2026</a:t>
             </a:fld>
             <a:endParaRPr lang="en-US"/>
           </a:p>
@@ -2233,7 +2244,7 @@
           <a:p>
             <a:fld id="{A8A9F1F3-208B-49A3-B337-9C8ACEB3E0E1}" type="datetime1">
               <a:rPr lang="en-US" smtClean="0"/>
-              <a:t>2/15/2025</a:t>
+              <a:t>1/17/2026</a:t>
             </a:fld>
             <a:endParaRPr lang="en-US"/>
           </a:p>
@@ -2380,7 +2391,7 @@
           <a:p>
             <a:fld id="{27AF6CA6-7293-4AA2-A0E0-A3BF4416E786}" type="datetime1">
               <a:rPr lang="en-US" smtClean="0"/>
-              <a:t>2/15/2025</a:t>
+              <a:t>1/17/2026</a:t>
             </a:fld>
             <a:endParaRPr lang="en-US"/>
           </a:p>
@@ -2493,7 +2504,7 @@
           <a:p>
             <a:fld id="{98D87016-7BCD-46FB-8EE3-AB6C369108B4}" type="datetime1">
               <a:rPr lang="en-US" smtClean="0"/>
-              <a:t>2/15/2025</a:t>
+              <a:t>1/17/2026</a:t>
             </a:fld>
             <a:endParaRPr lang="en-US"/>
           </a:p>
@@ -2812,7 +2823,7 @@
           <a:p>
             <a:fld id="{A1547011-1FFC-4EF8-9A2E-53B4AD2ADBD4}" type="datetime1">
               <a:rPr lang="en-US" smtClean="0"/>
-              <a:t>2/15/2025</a:t>
+              <a:t>1/17/2026</a:t>
             </a:fld>
             <a:endParaRPr lang="en-US"/>
           </a:p>
@@ -3107,7 +3118,7 @@
           <a:p>
             <a:fld id="{9562EB47-45B4-4EF5-A743-B4885DD2F060}" type="datetime1">
               <a:rPr lang="en-US" smtClean="0"/>
-              <a:t>2/15/2025</a:t>
+              <a:t>1/17/2026</a:t>
             </a:fld>
             <a:endParaRPr lang="en-US"/>
           </a:p>
@@ -4492,7 +4503,7 @@
           <a:p>
             <a:fld id="{4A8D24A4-5FEC-4062-8995-EB21925B3B40}" type="datetime1">
               <a:rPr lang="en-US" smtClean="0"/>
-              <a:t>2/15/2025</a:t>
+              <a:t>1/17/2026</a:t>
             </a:fld>
             <a:endParaRPr lang="en-US" sz="1000" dirty="0"/>
           </a:p>
@@ -16102,7 +16113,7 @@
                   <a:srgbClr val="002060"/>
                 </a:solidFill>
               </a:rPr>
-              <a:t>Selection sort:</a:t>
+              <a:t>Selection sort: (Dividing the List into 2 parts Sorted and Unsorted)</a:t>
             </a:r>
           </a:p>
           <a:p>
@@ -16159,7 +16170,15 @@
             </a:r>
             <a:r>
               <a:rPr lang="en-US" sz="2400" dirty="0"/>
-              <a:t>) element from the unsorted part of the array and swapping it with the first element of the unsorted part.</a:t>
+              <a:t>) element from the unsorted part of the array and swapping it with the first element of the </a:t>
+            </a:r>
+            <a:r>
+              <a:rPr lang="en-US" sz="2400" b="1" dirty="0"/>
+              <a:t>unsorted part</a:t>
+            </a:r>
+            <a:r>
+              <a:rPr lang="en-US" sz="2400" dirty="0"/>
+              <a:t>.</a:t>
             </a:r>
           </a:p>
           <a:p>
@@ -16279,216 +16298,6 @@
 </file>
 
 <file path=ppt/slides/slide57.xml><?xml version="1.0" encoding="utf-8"?>
-<p:sld xmlns:a="http://schemas.openxmlformats.org/drawingml/2006/main" xmlns:r="http://schemas.openxmlformats.org/officeDocument/2006/relationships" xmlns:p="http://schemas.openxmlformats.org/presentationml/2006/main">
-  <p:cSld>
-    <p:spTree>
-      <p:nvGrpSpPr>
-        <p:cNvPr id="1" name="">
-          <a:extLst>
-            <a:ext uri="{FF2B5EF4-FFF2-40B4-BE49-F238E27FC236}">
-              <a16:creationId xmlns:a16="http://schemas.microsoft.com/office/drawing/2014/main" id="{42398474-ED18-851D-2F01-3D7C0B608319}"/>
-            </a:ext>
-          </a:extLst>
-        </p:cNvPr>
-        <p:cNvGrpSpPr/>
-        <p:nvPr/>
-      </p:nvGrpSpPr>
-      <p:grpSpPr>
-        <a:xfrm>
-          <a:off x="0" y="0"/>
-          <a:ext cx="0" cy="0"/>
-          <a:chOff x="0" y="0"/>
-          <a:chExt cx="0" cy="0"/>
-        </a:xfrm>
-      </p:grpSpPr>
-      <p:sp>
-        <p:nvSpPr>
-          <p:cNvPr id="3" name="Content Placeholder 2">
-            <a:extLst>
-              <a:ext uri="{FF2B5EF4-FFF2-40B4-BE49-F238E27FC236}">
-                <a16:creationId xmlns:a16="http://schemas.microsoft.com/office/drawing/2014/main" id="{D3F13214-41A0-5F11-3D1F-96DE7A6DDC4F}"/>
-              </a:ext>
-            </a:extLst>
-          </p:cNvPr>
-          <p:cNvSpPr>
-            <a:spLocks noGrp="1"/>
-          </p:cNvSpPr>
-          <p:nvPr>
-            <p:ph idx="1"/>
-          </p:nvPr>
-        </p:nvSpPr>
-        <p:spPr>
-          <a:xfrm>
-            <a:off x="777240" y="664029"/>
-            <a:ext cx="10659110" cy="5512934"/>
-          </a:xfrm>
-        </p:spPr>
-        <p:txBody>
-          <a:bodyPr>
-            <a:normAutofit/>
-          </a:bodyPr>
-          <a:lstStyle/>
-          <a:p>
-            <a:pPr marL="0" indent="0">
-              <a:buNone/>
-            </a:pPr>
-            <a:r>
-              <a:rPr lang="en-US" sz="2400" b="1" dirty="0"/>
-              <a:t>Example:</a:t>
-            </a:r>
-            <a:endParaRPr lang="en-IN" sz="2400" b="1" dirty="0"/>
-          </a:p>
-        </p:txBody>
-      </p:sp>
-      <p:pic>
-        <p:nvPicPr>
-          <p:cNvPr id="4" name="Picture 3">
-            <a:extLst>
-              <a:ext uri="{FF2B5EF4-FFF2-40B4-BE49-F238E27FC236}">
-                <a16:creationId xmlns:a16="http://schemas.microsoft.com/office/drawing/2014/main" id="{5A7F2D30-680D-621C-585A-AD0AFA7007B7}"/>
-              </a:ext>
-            </a:extLst>
-          </p:cNvPr>
-          <p:cNvPicPr>
-            <a:picLocks noChangeAspect="1"/>
-          </p:cNvPicPr>
-          <p:nvPr/>
-        </p:nvPicPr>
-        <p:blipFill>
-          <a:blip r:embed="rId2"/>
-          <a:stretch>
-            <a:fillRect/>
-          </a:stretch>
-        </p:blipFill>
-        <p:spPr>
-          <a:xfrm>
-            <a:off x="2657146" y="566057"/>
-            <a:ext cx="8108825" cy="6068540"/>
-          </a:xfrm>
-          <a:prstGeom prst="rect">
-            <a:avLst/>
-          </a:prstGeom>
-        </p:spPr>
-      </p:pic>
-    </p:spTree>
-    <p:extLst>
-      <p:ext uri="{BB962C8B-B14F-4D97-AF65-F5344CB8AC3E}">
-        <p14:creationId xmlns:p14="http://schemas.microsoft.com/office/powerpoint/2010/main" val="504781771"/>
-      </p:ext>
-    </p:extLst>
-  </p:cSld>
-  <p:clrMapOvr>
-    <a:masterClrMapping/>
-  </p:clrMapOvr>
-</p:sld>
-</file>
-
-<file path=ppt/slides/slide58.xml><?xml version="1.0" encoding="utf-8"?>
-<p:sld xmlns:a="http://schemas.openxmlformats.org/drawingml/2006/main" xmlns:r="http://schemas.openxmlformats.org/officeDocument/2006/relationships" xmlns:p="http://schemas.openxmlformats.org/presentationml/2006/main">
-  <p:cSld>
-    <p:spTree>
-      <p:nvGrpSpPr>
-        <p:cNvPr id="1" name="">
-          <a:extLst>
-            <a:ext uri="{FF2B5EF4-FFF2-40B4-BE49-F238E27FC236}">
-              <a16:creationId xmlns:a16="http://schemas.microsoft.com/office/drawing/2014/main" id="{97A406E9-479D-3662-0658-728ECB1D0D72}"/>
-            </a:ext>
-          </a:extLst>
-        </p:cNvPr>
-        <p:cNvGrpSpPr/>
-        <p:nvPr/>
-      </p:nvGrpSpPr>
-      <p:grpSpPr>
-        <a:xfrm>
-          <a:off x="0" y="0"/>
-          <a:ext cx="0" cy="0"/>
-          <a:chOff x="0" y="0"/>
-          <a:chExt cx="0" cy="0"/>
-        </a:xfrm>
-      </p:grpSpPr>
-      <p:sp>
-        <p:nvSpPr>
-          <p:cNvPr id="3" name="Content Placeholder 2">
-            <a:extLst>
-              <a:ext uri="{FF2B5EF4-FFF2-40B4-BE49-F238E27FC236}">
-                <a16:creationId xmlns:a16="http://schemas.microsoft.com/office/drawing/2014/main" id="{09E1D929-643F-3BFD-B057-506457545FFE}"/>
-              </a:ext>
-            </a:extLst>
-          </p:cNvPr>
-          <p:cNvSpPr>
-            <a:spLocks noGrp="1"/>
-          </p:cNvSpPr>
-          <p:nvPr>
-            <p:ph idx="1"/>
-          </p:nvPr>
-        </p:nvSpPr>
-        <p:spPr>
-          <a:xfrm>
-            <a:off x="777240" y="664029"/>
-            <a:ext cx="10659110" cy="5512934"/>
-          </a:xfrm>
-        </p:spPr>
-        <p:txBody>
-          <a:bodyPr>
-            <a:normAutofit/>
-          </a:bodyPr>
-          <a:lstStyle/>
-          <a:p>
-            <a:pPr marL="0" indent="0">
-              <a:buNone/>
-            </a:pPr>
-            <a:r>
-              <a:rPr lang="en-US" sz="2400" b="1" dirty="0"/>
-              <a:t>Main Method:</a:t>
-            </a:r>
-            <a:endParaRPr lang="en-IN" sz="2400" b="1" dirty="0"/>
-          </a:p>
-        </p:txBody>
-      </p:sp>
-      <p:pic>
-        <p:nvPicPr>
-          <p:cNvPr id="4" name="Picture 3">
-            <a:extLst>
-              <a:ext uri="{FF2B5EF4-FFF2-40B4-BE49-F238E27FC236}">
-                <a16:creationId xmlns:a16="http://schemas.microsoft.com/office/drawing/2014/main" id="{F86C288F-0CE5-82FA-CDDF-5C6BB0C62021}"/>
-              </a:ext>
-            </a:extLst>
-          </p:cNvPr>
-          <p:cNvPicPr>
-            <a:picLocks noChangeAspect="1"/>
-          </p:cNvPicPr>
-          <p:nvPr/>
-        </p:nvPicPr>
-        <p:blipFill>
-          <a:blip r:embed="rId2"/>
-          <a:stretch>
-            <a:fillRect/>
-          </a:stretch>
-        </p:blipFill>
-        <p:spPr>
-          <a:xfrm>
-            <a:off x="3579146" y="283028"/>
-            <a:ext cx="5543083" cy="6344573"/>
-          </a:xfrm>
-          <a:prstGeom prst="rect">
-            <a:avLst/>
-          </a:prstGeom>
-        </p:spPr>
-      </p:pic>
-    </p:spTree>
-    <p:extLst>
-      <p:ext uri="{BB962C8B-B14F-4D97-AF65-F5344CB8AC3E}">
-        <p14:creationId xmlns:p14="http://schemas.microsoft.com/office/powerpoint/2010/main" val="2797004604"/>
-      </p:ext>
-    </p:extLst>
-  </p:cSld>
-  <p:clrMapOvr>
-    <a:masterClrMapping/>
-  </p:clrMapOvr>
-</p:sld>
-</file>
-
-<file path=ppt/slides/slide59.xml><?xml version="1.0" encoding="utf-8"?>
 <p:sld xmlns:a="http://schemas.openxmlformats.org/drawingml/2006/main" xmlns:r="http://schemas.openxmlformats.org/officeDocument/2006/relationships" xmlns:p="http://schemas.openxmlformats.org/presentationml/2006/main">
   <p:cSld>
     <p:spTree>
@@ -16534,20 +16343,1259 @@
           </a:xfrm>
         </p:spPr>
         <p:txBody>
-          <a:bodyPr/>
+          <a:bodyPr>
+            <a:normAutofit/>
+          </a:bodyPr>
           <a:lstStyle/>
           <a:p>
             <a:pPr marL="0" indent="0">
               <a:buNone/>
             </a:pPr>
-            <a:endParaRPr lang="en-IN" dirty="0"/>
+            <a:r>
+              <a:rPr lang="en-IN" sz="3200" b="1" dirty="0"/>
+              <a:t>Example:</a:t>
+            </a:r>
+            <a:endParaRPr lang="en-IN" sz="3200" dirty="0"/>
+          </a:p>
+          <a:p>
+            <a:r>
+              <a:rPr lang="en-IN" sz="3200" dirty="0"/>
+              <a:t>Let’s sort this array in </a:t>
+            </a:r>
+            <a:r>
+              <a:rPr lang="en-IN" sz="3200" b="1" dirty="0"/>
+              <a:t>ascending order</a:t>
+            </a:r>
+            <a:r>
+              <a:rPr lang="en-IN" sz="3200" dirty="0"/>
+              <a:t>:</a:t>
+            </a:r>
+          </a:p>
+          <a:p>
+            <a:pPr marL="0" indent="0">
+              <a:buNone/>
+            </a:pPr>
+            <a:endParaRPr lang="en-IN" sz="3200" dirty="0"/>
+          </a:p>
+          <a:p>
+            <a:pPr marL="0" indent="0">
+              <a:buNone/>
+            </a:pPr>
+            <a:endParaRPr lang="en-IN" sz="3200" dirty="0"/>
+          </a:p>
+          <a:p>
+            <a:pPr marL="0" indent="0">
+              <a:buNone/>
+            </a:pPr>
+            <a:endParaRPr lang="en-IN" sz="3200" dirty="0"/>
+          </a:p>
+          <a:p>
+            <a:endParaRPr lang="en-IN" sz="3200" dirty="0"/>
+          </a:p>
+          <a:p>
+            <a:endParaRPr lang="en-IN" sz="3200" dirty="0"/>
+          </a:p>
+          <a:p>
+            <a:pPr marL="0" indent="0">
+              <a:buNone/>
+            </a:pPr>
+            <a:endParaRPr lang="en-IN" sz="3200" dirty="0"/>
           </a:p>
         </p:txBody>
       </p:sp>
+      <p:graphicFrame>
+        <p:nvGraphicFramePr>
+          <p:cNvPr id="7" name="Table 6">
+            <a:extLst>
+              <a:ext uri="{FF2B5EF4-FFF2-40B4-BE49-F238E27FC236}">
+                <a16:creationId xmlns:a16="http://schemas.microsoft.com/office/drawing/2014/main" id="{FF5A6D7B-072B-0942-D31C-30B1B591A454}"/>
+              </a:ext>
+            </a:extLst>
+          </p:cNvPr>
+          <p:cNvGraphicFramePr>
+            <a:graphicFrameLocks noGrp="1"/>
+          </p:cNvGraphicFramePr>
+          <p:nvPr>
+            <p:extLst>
+              <p:ext uri="{D42A27DB-BD31-4B8C-83A1-F6EECF244321}">
+                <p14:modId xmlns:p14="http://schemas.microsoft.com/office/powerpoint/2010/main" val="643399052"/>
+              </p:ext>
+            </p:extLst>
+          </p:nvPr>
+        </p:nvGraphicFramePr>
+        <p:xfrm>
+          <a:off x="1741240" y="2472214"/>
+          <a:ext cx="4365555" cy="847930"/>
+        </p:xfrm>
+        <a:graphic>
+          <a:graphicData uri="http://schemas.openxmlformats.org/drawingml/2006/table">
+            <a:tbl>
+              <a:tblPr>
+                <a:tableStyleId>{3C2FFA5D-87B4-456A-9821-1D502468CF0F}</a:tableStyleId>
+              </a:tblPr>
+              <a:tblGrid>
+                <a:gridCol w="919137">
+                  <a:extLst>
+                    <a:ext uri="{9D8B030D-6E8A-4147-A177-3AD203B41FA5}">
+                      <a16:colId xmlns:a16="http://schemas.microsoft.com/office/drawing/2014/main" val="3435722865"/>
+                    </a:ext>
+                  </a:extLst>
+                </a:gridCol>
+                <a:gridCol w="919137">
+                  <a:extLst>
+                    <a:ext uri="{9D8B030D-6E8A-4147-A177-3AD203B41FA5}">
+                      <a16:colId xmlns:a16="http://schemas.microsoft.com/office/drawing/2014/main" val="543813592"/>
+                    </a:ext>
+                  </a:extLst>
+                </a:gridCol>
+                <a:gridCol w="919137">
+                  <a:extLst>
+                    <a:ext uri="{9D8B030D-6E8A-4147-A177-3AD203B41FA5}">
+                      <a16:colId xmlns:a16="http://schemas.microsoft.com/office/drawing/2014/main" val="3255949824"/>
+                    </a:ext>
+                  </a:extLst>
+                </a:gridCol>
+                <a:gridCol w="919137">
+                  <a:extLst>
+                    <a:ext uri="{9D8B030D-6E8A-4147-A177-3AD203B41FA5}">
+                      <a16:colId xmlns:a16="http://schemas.microsoft.com/office/drawing/2014/main" val="858936499"/>
+                    </a:ext>
+                  </a:extLst>
+                </a:gridCol>
+                <a:gridCol w="689007">
+                  <a:extLst>
+                    <a:ext uri="{9D8B030D-6E8A-4147-A177-3AD203B41FA5}">
+                      <a16:colId xmlns:a16="http://schemas.microsoft.com/office/drawing/2014/main" val="798859679"/>
+                    </a:ext>
+                  </a:extLst>
+                </a:gridCol>
+              </a:tblGrid>
+              <a:tr h="847930">
+                <a:tc>
+                  <a:txBody>
+                    <a:bodyPr/>
+                    <a:lstStyle/>
+                    <a:p>
+                      <a:pPr marL="0" marR="0" fontAlgn="t">
+                        <a:buNone/>
+                      </a:pPr>
+                      <a:r>
+                        <a:rPr lang="en-IN" sz="3200" b="1">
+                          <a:effectLst/>
+                        </a:rPr>
+                        <a:t>64</a:t>
+                      </a:r>
+                      <a:endParaRPr lang="en-IN" sz="3200" b="1">
+                        <a:effectLst/>
+                        <a:latin typeface="Calibri" panose="020F0502020204030204" pitchFamily="34" charset="0"/>
+                      </a:endParaRPr>
+                    </a:p>
+                  </a:txBody>
+                  <a:tcPr marL="50800" marR="50800" marT="50800" marB="50800"/>
+                </a:tc>
+                <a:tc>
+                  <a:txBody>
+                    <a:bodyPr/>
+                    <a:lstStyle/>
+                    <a:p>
+                      <a:pPr marL="0" marR="0" fontAlgn="t">
+                        <a:buNone/>
+                      </a:pPr>
+                      <a:r>
+                        <a:rPr lang="en-IN" sz="3200" b="1" dirty="0">
+                          <a:effectLst/>
+                        </a:rPr>
+                        <a:t>25</a:t>
+                      </a:r>
+                      <a:endParaRPr lang="en-IN" sz="3200" b="1" dirty="0">
+                        <a:effectLst/>
+                        <a:latin typeface="Calibri" panose="020F0502020204030204" pitchFamily="34" charset="0"/>
+                      </a:endParaRPr>
+                    </a:p>
+                  </a:txBody>
+                  <a:tcPr marL="50800" marR="50800" marT="50800" marB="50800"/>
+                </a:tc>
+                <a:tc>
+                  <a:txBody>
+                    <a:bodyPr/>
+                    <a:lstStyle/>
+                    <a:p>
+                      <a:pPr marL="0" marR="0" fontAlgn="t">
+                        <a:buNone/>
+                      </a:pPr>
+                      <a:r>
+                        <a:rPr lang="en-IN" sz="3200" b="1" dirty="0">
+                          <a:effectLst/>
+                        </a:rPr>
+                        <a:t>12</a:t>
+                      </a:r>
+                      <a:endParaRPr lang="en-IN" sz="3200" b="1" dirty="0">
+                        <a:effectLst/>
+                        <a:latin typeface="Calibri" panose="020F0502020204030204" pitchFamily="34" charset="0"/>
+                      </a:endParaRPr>
+                    </a:p>
+                  </a:txBody>
+                  <a:tcPr marL="50800" marR="50800" marT="50800" marB="50800"/>
+                </a:tc>
+                <a:tc>
+                  <a:txBody>
+                    <a:bodyPr/>
+                    <a:lstStyle/>
+                    <a:p>
+                      <a:pPr marL="0" marR="0" fontAlgn="t">
+                        <a:buNone/>
+                      </a:pPr>
+                      <a:r>
+                        <a:rPr lang="en-IN" sz="3200" b="1" dirty="0">
+                          <a:effectLst/>
+                        </a:rPr>
+                        <a:t>22</a:t>
+                      </a:r>
+                      <a:endParaRPr lang="en-IN" sz="3200" b="1" dirty="0">
+                        <a:effectLst/>
+                        <a:latin typeface="Calibri" panose="020F0502020204030204" pitchFamily="34" charset="0"/>
+                      </a:endParaRPr>
+                    </a:p>
+                  </a:txBody>
+                  <a:tcPr marL="50800" marR="50800" marT="50800" marB="50800"/>
+                </a:tc>
+                <a:tc>
+                  <a:txBody>
+                    <a:bodyPr/>
+                    <a:lstStyle/>
+                    <a:p>
+                      <a:pPr marL="0" marR="0" fontAlgn="t">
+                        <a:buNone/>
+                      </a:pPr>
+                      <a:r>
+                        <a:rPr lang="en-IN" sz="3200" b="1" dirty="0">
+                          <a:effectLst/>
+                        </a:rPr>
+                        <a:t>11</a:t>
+                      </a:r>
+                      <a:endParaRPr lang="en-IN" sz="3200" b="1" dirty="0">
+                        <a:effectLst/>
+                        <a:latin typeface="Calibri" panose="020F0502020204030204" pitchFamily="34" charset="0"/>
+                      </a:endParaRPr>
+                    </a:p>
+                  </a:txBody>
+                  <a:tcPr marL="50800" marR="50800" marT="50800" marB="50800"/>
+                </a:tc>
+                <a:extLst>
+                  <a:ext uri="{0D108BD9-81ED-4DB2-BD59-A6C34878D82A}">
+                    <a16:rowId xmlns:a16="http://schemas.microsoft.com/office/drawing/2014/main" val="1689573017"/>
+                  </a:ext>
+                </a:extLst>
+              </a:tr>
+            </a:tbl>
+          </a:graphicData>
+        </a:graphic>
+      </p:graphicFrame>
     </p:spTree>
     <p:extLst>
       <p:ext uri="{BB962C8B-B14F-4D97-AF65-F5344CB8AC3E}">
         <p14:creationId xmlns:p14="http://schemas.microsoft.com/office/powerpoint/2010/main" val="3253345180"/>
+      </p:ext>
+    </p:extLst>
+  </p:cSld>
+  <p:clrMapOvr>
+    <a:masterClrMapping/>
+  </p:clrMapOvr>
+</p:sld>
+</file>
+
+<file path=ppt/slides/slide58.xml><?xml version="1.0" encoding="utf-8"?>
+<p:sld xmlns:a="http://schemas.openxmlformats.org/drawingml/2006/main" xmlns:r="http://schemas.openxmlformats.org/officeDocument/2006/relationships" xmlns:p="http://schemas.openxmlformats.org/presentationml/2006/main">
+  <p:cSld>
+    <p:spTree>
+      <p:nvGrpSpPr>
+        <p:cNvPr id="1" name="">
+          <a:extLst>
+            <a:ext uri="{FF2B5EF4-FFF2-40B4-BE49-F238E27FC236}">
+              <a16:creationId xmlns:a16="http://schemas.microsoft.com/office/drawing/2014/main" id="{130B9EFF-88C9-0B7D-C412-433BC5B11A3D}"/>
+            </a:ext>
+          </a:extLst>
+        </p:cNvPr>
+        <p:cNvGrpSpPr/>
+        <p:nvPr/>
+      </p:nvGrpSpPr>
+      <p:grpSpPr>
+        <a:xfrm>
+          <a:off x="0" y="0"/>
+          <a:ext cx="0" cy="0"/>
+          <a:chOff x="0" y="0"/>
+          <a:chExt cx="0" cy="0"/>
+        </a:xfrm>
+      </p:grpSpPr>
+      <p:sp>
+        <p:nvSpPr>
+          <p:cNvPr id="3" name="Content Placeholder 2">
+            <a:extLst>
+              <a:ext uri="{FF2B5EF4-FFF2-40B4-BE49-F238E27FC236}">
+                <a16:creationId xmlns:a16="http://schemas.microsoft.com/office/drawing/2014/main" id="{968BF74A-A5D0-4057-ECEE-96FFBD1F511D}"/>
+              </a:ext>
+            </a:extLst>
+          </p:cNvPr>
+          <p:cNvSpPr>
+            <a:spLocks noGrp="1"/>
+          </p:cNvSpPr>
+          <p:nvPr>
+            <p:ph idx="1"/>
+          </p:nvPr>
+        </p:nvSpPr>
+        <p:spPr>
+          <a:xfrm>
+            <a:off x="777240" y="664029"/>
+            <a:ext cx="10659110" cy="5512934"/>
+          </a:xfrm>
+        </p:spPr>
+        <p:txBody>
+          <a:bodyPr>
+            <a:noAutofit/>
+          </a:bodyPr>
+          <a:lstStyle/>
+          <a:p>
+            <a:pPr marL="0" indent="0">
+              <a:buNone/>
+            </a:pPr>
+            <a:r>
+              <a:rPr lang="en-IN" sz="2800" b="1" dirty="0"/>
+              <a:t>Step-by-step working</a:t>
+            </a:r>
+            <a:endParaRPr lang="en-IN" sz="2800" dirty="0"/>
+          </a:p>
+          <a:p>
+            <a:pPr marL="0" indent="0">
+              <a:buNone/>
+            </a:pPr>
+            <a:r>
+              <a:rPr lang="en-IN" sz="2800" b="1" dirty="0"/>
+              <a:t>Pass 1 (</a:t>
+            </a:r>
+            <a:r>
+              <a:rPr lang="en-IN" sz="2800" b="1" dirty="0" err="1"/>
+              <a:t>i</a:t>
+            </a:r>
+            <a:r>
+              <a:rPr lang="en-IN" sz="2800" b="1" dirty="0"/>
+              <a:t> = 0)</a:t>
+            </a:r>
+            <a:endParaRPr lang="en-IN" sz="2800" dirty="0"/>
+          </a:p>
+          <a:p>
+            <a:r>
+              <a:rPr lang="en-IN" sz="2800" dirty="0"/>
+              <a:t>Unsorted part:</a:t>
+            </a:r>
+          </a:p>
+          <a:p>
+            <a:endParaRPr lang="en-IN" sz="2800" dirty="0"/>
+          </a:p>
+          <a:p>
+            <a:endParaRPr lang="en-IN" sz="2800" dirty="0"/>
+          </a:p>
+          <a:p>
+            <a:pPr fontAlgn="ctr"/>
+            <a:r>
+              <a:rPr lang="en-IN" sz="2800" dirty="0"/>
+              <a:t>Find </a:t>
+            </a:r>
+            <a:r>
+              <a:rPr lang="en-IN" sz="2800" b="1" dirty="0"/>
+              <a:t>smallest element</a:t>
+            </a:r>
+            <a:r>
+              <a:rPr lang="en-IN" sz="2800" dirty="0"/>
+              <a:t> → 11</a:t>
+            </a:r>
+          </a:p>
+          <a:p>
+            <a:pPr fontAlgn="ctr"/>
+            <a:r>
+              <a:rPr lang="en-IN" sz="2800" dirty="0"/>
+              <a:t>Swap 11 with first element 64</a:t>
+            </a:r>
+          </a:p>
+          <a:p>
+            <a:r>
+              <a:rPr lang="en-IN" sz="2800" dirty="0"/>
+              <a:t>After swap:</a:t>
+            </a:r>
+          </a:p>
+          <a:p>
+            <a:endParaRPr lang="en-IN" sz="2800" dirty="0"/>
+          </a:p>
+          <a:p>
+            <a:endParaRPr lang="en-IN" sz="2800" dirty="0"/>
+          </a:p>
+          <a:p>
+            <a:r>
+              <a:rPr lang="en-IN" sz="2800" dirty="0"/>
+              <a:t>First position is now sorted</a:t>
+            </a:r>
+          </a:p>
+        </p:txBody>
+      </p:sp>
+      <p:graphicFrame>
+        <p:nvGraphicFramePr>
+          <p:cNvPr id="14" name="Table 13">
+            <a:extLst>
+              <a:ext uri="{FF2B5EF4-FFF2-40B4-BE49-F238E27FC236}">
+                <a16:creationId xmlns:a16="http://schemas.microsoft.com/office/drawing/2014/main" id="{547D3B5E-AF52-68D9-86A1-0430EC8F045A}"/>
+              </a:ext>
+            </a:extLst>
+          </p:cNvPr>
+          <p:cNvGraphicFramePr>
+            <a:graphicFrameLocks noGrp="1"/>
+          </p:cNvGraphicFramePr>
+          <p:nvPr>
+            <p:extLst>
+              <p:ext uri="{D42A27DB-BD31-4B8C-83A1-F6EECF244321}">
+                <p14:modId xmlns:p14="http://schemas.microsoft.com/office/powerpoint/2010/main" val="1623115501"/>
+              </p:ext>
+            </p:extLst>
+          </p:nvPr>
+        </p:nvGraphicFramePr>
+        <p:xfrm>
+          <a:off x="2198109" y="2368947"/>
+          <a:ext cx="4180922" cy="586672"/>
+        </p:xfrm>
+        <a:graphic>
+          <a:graphicData uri="http://schemas.openxmlformats.org/drawingml/2006/table">
+            <a:tbl>
+              <a:tblPr>
+                <a:tableStyleId>{3C2FFA5D-87B4-456A-9821-1D502468CF0F}</a:tableStyleId>
+              </a:tblPr>
+              <a:tblGrid>
+                <a:gridCol w="880264">
+                  <a:extLst>
+                    <a:ext uri="{9D8B030D-6E8A-4147-A177-3AD203B41FA5}">
+                      <a16:colId xmlns:a16="http://schemas.microsoft.com/office/drawing/2014/main" val="1845740023"/>
+                    </a:ext>
+                  </a:extLst>
+                </a:gridCol>
+                <a:gridCol w="880264">
+                  <a:extLst>
+                    <a:ext uri="{9D8B030D-6E8A-4147-A177-3AD203B41FA5}">
+                      <a16:colId xmlns:a16="http://schemas.microsoft.com/office/drawing/2014/main" val="3291188177"/>
+                    </a:ext>
+                  </a:extLst>
+                </a:gridCol>
+                <a:gridCol w="880264">
+                  <a:extLst>
+                    <a:ext uri="{9D8B030D-6E8A-4147-A177-3AD203B41FA5}">
+                      <a16:colId xmlns:a16="http://schemas.microsoft.com/office/drawing/2014/main" val="3790243643"/>
+                    </a:ext>
+                  </a:extLst>
+                </a:gridCol>
+                <a:gridCol w="880264">
+                  <a:extLst>
+                    <a:ext uri="{9D8B030D-6E8A-4147-A177-3AD203B41FA5}">
+                      <a16:colId xmlns:a16="http://schemas.microsoft.com/office/drawing/2014/main" val="3385402377"/>
+                    </a:ext>
+                  </a:extLst>
+                </a:gridCol>
+                <a:gridCol w="659866">
+                  <a:extLst>
+                    <a:ext uri="{9D8B030D-6E8A-4147-A177-3AD203B41FA5}">
+                      <a16:colId xmlns:a16="http://schemas.microsoft.com/office/drawing/2014/main" val="447698323"/>
+                    </a:ext>
+                  </a:extLst>
+                </a:gridCol>
+              </a:tblGrid>
+              <a:tr h="586672">
+                <a:tc>
+                  <a:txBody>
+                    <a:bodyPr/>
+                    <a:lstStyle/>
+                    <a:p>
+                      <a:pPr marL="0" marR="0" fontAlgn="t">
+                        <a:buNone/>
+                      </a:pPr>
+                      <a:r>
+                        <a:rPr lang="en-IN" sz="2400" b="1" dirty="0">
+                          <a:effectLst/>
+                        </a:rPr>
+                        <a:t>64</a:t>
+                      </a:r>
+                      <a:endParaRPr lang="en-IN" sz="2400" b="1" dirty="0">
+                        <a:effectLst/>
+                        <a:latin typeface="Calibri" panose="020F0502020204030204" pitchFamily="34" charset="0"/>
+                      </a:endParaRPr>
+                    </a:p>
+                  </a:txBody>
+                  <a:tcPr marL="50800" marR="50800" marT="50800" marB="50800"/>
+                </a:tc>
+                <a:tc>
+                  <a:txBody>
+                    <a:bodyPr/>
+                    <a:lstStyle/>
+                    <a:p>
+                      <a:pPr marL="0" marR="0" fontAlgn="t">
+                        <a:buNone/>
+                      </a:pPr>
+                      <a:r>
+                        <a:rPr lang="en-IN" sz="2400" b="1">
+                          <a:effectLst/>
+                        </a:rPr>
+                        <a:t> 25</a:t>
+                      </a:r>
+                      <a:endParaRPr lang="en-IN" sz="2400" b="1">
+                        <a:effectLst/>
+                        <a:latin typeface="Calibri" panose="020F0502020204030204" pitchFamily="34" charset="0"/>
+                      </a:endParaRPr>
+                    </a:p>
+                  </a:txBody>
+                  <a:tcPr marL="50800" marR="50800" marT="50800" marB="50800"/>
+                </a:tc>
+                <a:tc>
+                  <a:txBody>
+                    <a:bodyPr/>
+                    <a:lstStyle/>
+                    <a:p>
+                      <a:pPr marL="0" marR="0" fontAlgn="t">
+                        <a:buNone/>
+                      </a:pPr>
+                      <a:r>
+                        <a:rPr lang="en-IN" sz="2400" b="1">
+                          <a:effectLst/>
+                        </a:rPr>
+                        <a:t> 12</a:t>
+                      </a:r>
+                      <a:endParaRPr lang="en-IN" sz="2400" b="1">
+                        <a:effectLst/>
+                        <a:latin typeface="Calibri" panose="020F0502020204030204" pitchFamily="34" charset="0"/>
+                      </a:endParaRPr>
+                    </a:p>
+                  </a:txBody>
+                  <a:tcPr marL="50800" marR="50800" marT="50800" marB="50800"/>
+                </a:tc>
+                <a:tc>
+                  <a:txBody>
+                    <a:bodyPr/>
+                    <a:lstStyle/>
+                    <a:p>
+                      <a:pPr marL="0" marR="0" fontAlgn="t">
+                        <a:buNone/>
+                      </a:pPr>
+                      <a:r>
+                        <a:rPr lang="en-IN" sz="2400" b="1">
+                          <a:effectLst/>
+                        </a:rPr>
+                        <a:t> 22</a:t>
+                      </a:r>
+                      <a:endParaRPr lang="en-IN" sz="2400" b="1">
+                        <a:effectLst/>
+                        <a:latin typeface="Calibri" panose="020F0502020204030204" pitchFamily="34" charset="0"/>
+                      </a:endParaRPr>
+                    </a:p>
+                  </a:txBody>
+                  <a:tcPr marL="50800" marR="50800" marT="50800" marB="50800"/>
+                </a:tc>
+                <a:tc>
+                  <a:txBody>
+                    <a:bodyPr/>
+                    <a:lstStyle/>
+                    <a:p>
+                      <a:pPr marL="0" marR="0" fontAlgn="t">
+                        <a:buNone/>
+                      </a:pPr>
+                      <a:r>
+                        <a:rPr lang="en-IN" sz="2400" b="1" dirty="0">
+                          <a:effectLst/>
+                        </a:rPr>
+                        <a:t> 11</a:t>
+                      </a:r>
+                      <a:endParaRPr lang="en-IN" sz="2400" b="1" dirty="0">
+                        <a:effectLst/>
+                        <a:latin typeface="Calibri" panose="020F0502020204030204" pitchFamily="34" charset="0"/>
+                      </a:endParaRPr>
+                    </a:p>
+                  </a:txBody>
+                  <a:tcPr marL="50800" marR="50800" marT="50800" marB="50800"/>
+                </a:tc>
+                <a:extLst>
+                  <a:ext uri="{0D108BD9-81ED-4DB2-BD59-A6C34878D82A}">
+                    <a16:rowId xmlns:a16="http://schemas.microsoft.com/office/drawing/2014/main" val="2855354970"/>
+                  </a:ext>
+                </a:extLst>
+              </a:tr>
+            </a:tbl>
+          </a:graphicData>
+        </a:graphic>
+      </p:graphicFrame>
+      <p:graphicFrame>
+        <p:nvGraphicFramePr>
+          <p:cNvPr id="2" name="Table 1">
+            <a:extLst>
+              <a:ext uri="{FF2B5EF4-FFF2-40B4-BE49-F238E27FC236}">
+                <a16:creationId xmlns:a16="http://schemas.microsoft.com/office/drawing/2014/main" id="{1F65B2A2-A37A-40DA-6CEF-0C1426821CAC}"/>
+              </a:ext>
+            </a:extLst>
+          </p:cNvPr>
+          <p:cNvGraphicFramePr>
+            <a:graphicFrameLocks noGrp="1"/>
+          </p:cNvGraphicFramePr>
+          <p:nvPr>
+            <p:extLst>
+              <p:ext uri="{D42A27DB-BD31-4B8C-83A1-F6EECF244321}">
+                <p14:modId xmlns:p14="http://schemas.microsoft.com/office/powerpoint/2010/main" val="2970790369"/>
+              </p:ext>
+            </p:extLst>
+          </p:nvPr>
+        </p:nvGraphicFramePr>
+        <p:xfrm>
+          <a:off x="2198109" y="5008585"/>
+          <a:ext cx="4278890" cy="586672"/>
+        </p:xfrm>
+        <a:graphic>
+          <a:graphicData uri="http://schemas.openxmlformats.org/drawingml/2006/table">
+            <a:tbl>
+              <a:tblPr>
+                <a:tableStyleId>{3C2FFA5D-87B4-456A-9821-1D502468CF0F}</a:tableStyleId>
+              </a:tblPr>
+              <a:tblGrid>
+                <a:gridCol w="900890">
+                  <a:extLst>
+                    <a:ext uri="{9D8B030D-6E8A-4147-A177-3AD203B41FA5}">
+                      <a16:colId xmlns:a16="http://schemas.microsoft.com/office/drawing/2014/main" val="3509625574"/>
+                    </a:ext>
+                  </a:extLst>
+                </a:gridCol>
+                <a:gridCol w="900890">
+                  <a:extLst>
+                    <a:ext uri="{9D8B030D-6E8A-4147-A177-3AD203B41FA5}">
+                      <a16:colId xmlns:a16="http://schemas.microsoft.com/office/drawing/2014/main" val="3258879932"/>
+                    </a:ext>
+                  </a:extLst>
+                </a:gridCol>
+                <a:gridCol w="900890">
+                  <a:extLst>
+                    <a:ext uri="{9D8B030D-6E8A-4147-A177-3AD203B41FA5}">
+                      <a16:colId xmlns:a16="http://schemas.microsoft.com/office/drawing/2014/main" val="3898151412"/>
+                    </a:ext>
+                  </a:extLst>
+                </a:gridCol>
+                <a:gridCol w="900890">
+                  <a:extLst>
+                    <a:ext uri="{9D8B030D-6E8A-4147-A177-3AD203B41FA5}">
+                      <a16:colId xmlns:a16="http://schemas.microsoft.com/office/drawing/2014/main" val="451398118"/>
+                    </a:ext>
+                  </a:extLst>
+                </a:gridCol>
+                <a:gridCol w="675330">
+                  <a:extLst>
+                    <a:ext uri="{9D8B030D-6E8A-4147-A177-3AD203B41FA5}">
+                      <a16:colId xmlns:a16="http://schemas.microsoft.com/office/drawing/2014/main" val="363840006"/>
+                    </a:ext>
+                  </a:extLst>
+                </a:gridCol>
+              </a:tblGrid>
+              <a:tr h="586672">
+                <a:tc>
+                  <a:txBody>
+                    <a:bodyPr/>
+                    <a:lstStyle/>
+                    <a:p>
+                      <a:pPr marL="0" marR="0" fontAlgn="t">
+                        <a:buNone/>
+                      </a:pPr>
+                      <a:r>
+                        <a:rPr lang="en-IN" sz="2400" b="1">
+                          <a:effectLst/>
+                        </a:rPr>
+                        <a:t>11</a:t>
+                      </a:r>
+                      <a:endParaRPr lang="en-IN" sz="2400" b="1">
+                        <a:effectLst/>
+                        <a:latin typeface="Calibri" panose="020F0502020204030204" pitchFamily="34" charset="0"/>
+                      </a:endParaRPr>
+                    </a:p>
+                  </a:txBody>
+                  <a:tcPr marL="50800" marR="50800" marT="50800" marB="50800"/>
+                </a:tc>
+                <a:tc>
+                  <a:txBody>
+                    <a:bodyPr/>
+                    <a:lstStyle/>
+                    <a:p>
+                      <a:pPr marL="0" marR="0" fontAlgn="t">
+                        <a:buNone/>
+                      </a:pPr>
+                      <a:r>
+                        <a:rPr lang="en-IN" sz="2400" b="1" dirty="0">
+                          <a:effectLst/>
+                        </a:rPr>
+                        <a:t> 25</a:t>
+                      </a:r>
+                      <a:endParaRPr lang="en-IN" sz="2400" b="1" dirty="0">
+                        <a:effectLst/>
+                        <a:latin typeface="Calibri" panose="020F0502020204030204" pitchFamily="34" charset="0"/>
+                      </a:endParaRPr>
+                    </a:p>
+                  </a:txBody>
+                  <a:tcPr marL="50800" marR="50800" marT="50800" marB="50800"/>
+                </a:tc>
+                <a:tc>
+                  <a:txBody>
+                    <a:bodyPr/>
+                    <a:lstStyle/>
+                    <a:p>
+                      <a:pPr marL="0" marR="0" fontAlgn="t">
+                        <a:buNone/>
+                      </a:pPr>
+                      <a:r>
+                        <a:rPr lang="en-IN" sz="2400" b="1" dirty="0">
+                          <a:effectLst/>
+                        </a:rPr>
+                        <a:t>12</a:t>
+                      </a:r>
+                      <a:endParaRPr lang="en-IN" sz="2400" b="1" dirty="0">
+                        <a:effectLst/>
+                        <a:latin typeface="Calibri" panose="020F0502020204030204" pitchFamily="34" charset="0"/>
+                      </a:endParaRPr>
+                    </a:p>
+                  </a:txBody>
+                  <a:tcPr marL="50800" marR="50800" marT="50800" marB="50800"/>
+                </a:tc>
+                <a:tc>
+                  <a:txBody>
+                    <a:bodyPr/>
+                    <a:lstStyle/>
+                    <a:p>
+                      <a:pPr marL="0" marR="0" fontAlgn="t">
+                        <a:buNone/>
+                      </a:pPr>
+                      <a:r>
+                        <a:rPr lang="en-IN" sz="2400" b="1">
+                          <a:effectLst/>
+                        </a:rPr>
+                        <a:t> 22</a:t>
+                      </a:r>
+                      <a:endParaRPr lang="en-IN" sz="2400" b="1">
+                        <a:effectLst/>
+                        <a:latin typeface="Calibri" panose="020F0502020204030204" pitchFamily="34" charset="0"/>
+                      </a:endParaRPr>
+                    </a:p>
+                  </a:txBody>
+                  <a:tcPr marL="50800" marR="50800" marT="50800" marB="50800"/>
+                </a:tc>
+                <a:tc>
+                  <a:txBody>
+                    <a:bodyPr/>
+                    <a:lstStyle/>
+                    <a:p>
+                      <a:pPr marL="0" marR="0" fontAlgn="t">
+                        <a:buNone/>
+                      </a:pPr>
+                      <a:r>
+                        <a:rPr lang="en-IN" sz="2400" b="1" dirty="0">
+                          <a:effectLst/>
+                        </a:rPr>
+                        <a:t> 64</a:t>
+                      </a:r>
+                      <a:endParaRPr lang="en-IN" sz="2400" b="1" dirty="0">
+                        <a:effectLst/>
+                        <a:latin typeface="Calibri" panose="020F0502020204030204" pitchFamily="34" charset="0"/>
+                      </a:endParaRPr>
+                    </a:p>
+                  </a:txBody>
+                  <a:tcPr marL="50800" marR="50800" marT="50800" marB="50800"/>
+                </a:tc>
+                <a:extLst>
+                  <a:ext uri="{0D108BD9-81ED-4DB2-BD59-A6C34878D82A}">
+                    <a16:rowId xmlns:a16="http://schemas.microsoft.com/office/drawing/2014/main" val="2650767238"/>
+                  </a:ext>
+                </a:extLst>
+              </a:tr>
+            </a:tbl>
+          </a:graphicData>
+        </a:graphic>
+      </p:graphicFrame>
+    </p:spTree>
+    <p:extLst>
+      <p:ext uri="{BB962C8B-B14F-4D97-AF65-F5344CB8AC3E}">
+        <p14:creationId xmlns:p14="http://schemas.microsoft.com/office/powerpoint/2010/main" val="825452572"/>
+      </p:ext>
+    </p:extLst>
+  </p:cSld>
+  <p:clrMapOvr>
+    <a:masterClrMapping/>
+  </p:clrMapOvr>
+</p:sld>
+</file>
+
+<file path=ppt/slides/slide59.xml><?xml version="1.0" encoding="utf-8"?>
+<p:sld xmlns:a="http://schemas.openxmlformats.org/drawingml/2006/main" xmlns:r="http://schemas.openxmlformats.org/officeDocument/2006/relationships" xmlns:p="http://schemas.openxmlformats.org/presentationml/2006/main">
+  <p:cSld>
+    <p:spTree>
+      <p:nvGrpSpPr>
+        <p:cNvPr id="1" name="">
+          <a:extLst>
+            <a:ext uri="{FF2B5EF4-FFF2-40B4-BE49-F238E27FC236}">
+              <a16:creationId xmlns:a16="http://schemas.microsoft.com/office/drawing/2014/main" id="{6D635C6E-190B-9407-8446-035CF7CE0904}"/>
+            </a:ext>
+          </a:extLst>
+        </p:cNvPr>
+        <p:cNvGrpSpPr/>
+        <p:nvPr/>
+      </p:nvGrpSpPr>
+      <p:grpSpPr>
+        <a:xfrm>
+          <a:off x="0" y="0"/>
+          <a:ext cx="0" cy="0"/>
+          <a:chOff x="0" y="0"/>
+          <a:chExt cx="0" cy="0"/>
+        </a:xfrm>
+      </p:grpSpPr>
+      <p:sp>
+        <p:nvSpPr>
+          <p:cNvPr id="3" name="Content Placeholder 2">
+            <a:extLst>
+              <a:ext uri="{FF2B5EF4-FFF2-40B4-BE49-F238E27FC236}">
+                <a16:creationId xmlns:a16="http://schemas.microsoft.com/office/drawing/2014/main" id="{FAE65B35-6A86-ED92-BD15-78B48432766A}"/>
+              </a:ext>
+            </a:extLst>
+          </p:cNvPr>
+          <p:cNvSpPr>
+            <a:spLocks noGrp="1"/>
+          </p:cNvSpPr>
+          <p:nvPr>
+            <p:ph idx="1"/>
+          </p:nvPr>
+        </p:nvSpPr>
+        <p:spPr>
+          <a:xfrm>
+            <a:off x="777240" y="664029"/>
+            <a:ext cx="10659110" cy="5512934"/>
+          </a:xfrm>
+        </p:spPr>
+        <p:txBody>
+          <a:bodyPr>
+            <a:noAutofit/>
+          </a:bodyPr>
+          <a:lstStyle/>
+          <a:p>
+            <a:pPr marL="0" indent="0">
+              <a:buNone/>
+            </a:pPr>
+            <a:r>
+              <a:rPr lang="en-IN" sz="2800" b="1" dirty="0"/>
+              <a:t>Pass 2 (</a:t>
+            </a:r>
+            <a:r>
+              <a:rPr lang="en-IN" sz="2800" b="1" dirty="0" err="1"/>
+              <a:t>i</a:t>
+            </a:r>
+            <a:r>
+              <a:rPr lang="en-IN" sz="2800" b="1" dirty="0"/>
+              <a:t> = 1)</a:t>
+            </a:r>
+            <a:endParaRPr lang="en-IN" sz="2800" dirty="0"/>
+          </a:p>
+          <a:p>
+            <a:r>
+              <a:rPr lang="en-IN" sz="2800" dirty="0"/>
+              <a:t>Unsorted part:</a:t>
+            </a:r>
+          </a:p>
+          <a:p>
+            <a:endParaRPr lang="en-IN" sz="2800" dirty="0"/>
+          </a:p>
+          <a:p>
+            <a:endParaRPr lang="en-IN" sz="2800" dirty="0"/>
+          </a:p>
+          <a:p>
+            <a:pPr fontAlgn="ctr"/>
+            <a:r>
+              <a:rPr lang="en-IN" sz="2800" dirty="0"/>
+              <a:t>Smallest element → 12</a:t>
+            </a:r>
+          </a:p>
+          <a:p>
+            <a:pPr fontAlgn="ctr"/>
+            <a:r>
+              <a:rPr lang="en-IN" sz="2800" dirty="0"/>
+              <a:t>Swap 12 with 25</a:t>
+            </a:r>
+          </a:p>
+          <a:p>
+            <a:r>
+              <a:rPr lang="en-IN" sz="2800" dirty="0"/>
+              <a:t>After swap:</a:t>
+            </a:r>
+          </a:p>
+          <a:p>
+            <a:endParaRPr lang="en-IN" sz="2800" dirty="0"/>
+          </a:p>
+          <a:p>
+            <a:endParaRPr lang="en-IN" sz="2800" dirty="0"/>
+          </a:p>
+          <a:p>
+            <a:r>
+              <a:rPr lang="en-IN" sz="2800" dirty="0"/>
+              <a:t>✔ First two elements sorted</a:t>
+            </a:r>
+          </a:p>
+          <a:p>
+            <a:pPr marL="0" indent="0">
+              <a:buNone/>
+            </a:pPr>
+            <a:endParaRPr lang="en-IN" sz="2800" dirty="0"/>
+          </a:p>
+        </p:txBody>
+      </p:sp>
+      <p:graphicFrame>
+        <p:nvGraphicFramePr>
+          <p:cNvPr id="2" name="Table 1">
+            <a:extLst>
+              <a:ext uri="{FF2B5EF4-FFF2-40B4-BE49-F238E27FC236}">
+                <a16:creationId xmlns:a16="http://schemas.microsoft.com/office/drawing/2014/main" id="{3921799F-BFB8-E9A4-A8CC-FF9689F1AD1F}"/>
+              </a:ext>
+            </a:extLst>
+          </p:cNvPr>
+          <p:cNvGraphicFramePr>
+            <a:graphicFrameLocks noGrp="1"/>
+          </p:cNvGraphicFramePr>
+          <p:nvPr>
+            <p:extLst>
+              <p:ext uri="{D42A27DB-BD31-4B8C-83A1-F6EECF244321}">
+                <p14:modId xmlns:p14="http://schemas.microsoft.com/office/powerpoint/2010/main" val="2860270274"/>
+              </p:ext>
+            </p:extLst>
+          </p:nvPr>
+        </p:nvGraphicFramePr>
+        <p:xfrm>
+          <a:off x="2449053" y="1920535"/>
+          <a:ext cx="2939376" cy="603068"/>
+        </p:xfrm>
+        <a:graphic>
+          <a:graphicData uri="http://schemas.openxmlformats.org/drawingml/2006/table">
+            <a:tbl>
+              <a:tblPr>
+                <a:tableStyleId>{3C2FFA5D-87B4-456A-9821-1D502468CF0F}</a:tableStyleId>
+              </a:tblPr>
+              <a:tblGrid>
+                <a:gridCol w="783912">
+                  <a:extLst>
+                    <a:ext uri="{9D8B030D-6E8A-4147-A177-3AD203B41FA5}">
+                      <a16:colId xmlns:a16="http://schemas.microsoft.com/office/drawing/2014/main" val="3864639822"/>
+                    </a:ext>
+                  </a:extLst>
+                </a:gridCol>
+                <a:gridCol w="783912">
+                  <a:extLst>
+                    <a:ext uri="{9D8B030D-6E8A-4147-A177-3AD203B41FA5}">
+                      <a16:colId xmlns:a16="http://schemas.microsoft.com/office/drawing/2014/main" val="4231458969"/>
+                    </a:ext>
+                  </a:extLst>
+                </a:gridCol>
+                <a:gridCol w="783912">
+                  <a:extLst>
+                    <a:ext uri="{9D8B030D-6E8A-4147-A177-3AD203B41FA5}">
+                      <a16:colId xmlns:a16="http://schemas.microsoft.com/office/drawing/2014/main" val="896353496"/>
+                    </a:ext>
+                  </a:extLst>
+                </a:gridCol>
+                <a:gridCol w="587640">
+                  <a:extLst>
+                    <a:ext uri="{9D8B030D-6E8A-4147-A177-3AD203B41FA5}">
+                      <a16:colId xmlns:a16="http://schemas.microsoft.com/office/drawing/2014/main" val="3095284057"/>
+                    </a:ext>
+                  </a:extLst>
+                </a:gridCol>
+              </a:tblGrid>
+              <a:tr h="603068">
+                <a:tc>
+                  <a:txBody>
+                    <a:bodyPr/>
+                    <a:lstStyle/>
+                    <a:p>
+                      <a:pPr marL="0" marR="0" fontAlgn="t">
+                        <a:buNone/>
+                      </a:pPr>
+                      <a:r>
+                        <a:rPr lang="en-IN" sz="2400" b="1" dirty="0">
+                          <a:effectLst/>
+                        </a:rPr>
+                        <a:t>25</a:t>
+                      </a:r>
+                      <a:endParaRPr lang="en-IN" sz="2400" b="1" dirty="0">
+                        <a:effectLst/>
+                        <a:latin typeface="Calibri" panose="020F0502020204030204" pitchFamily="34" charset="0"/>
+                      </a:endParaRPr>
+                    </a:p>
+                  </a:txBody>
+                  <a:tcPr marL="50800" marR="50800" marT="50800" marB="50800"/>
+                </a:tc>
+                <a:tc>
+                  <a:txBody>
+                    <a:bodyPr/>
+                    <a:lstStyle/>
+                    <a:p>
+                      <a:pPr marL="0" marR="0" fontAlgn="t">
+                        <a:buNone/>
+                      </a:pPr>
+                      <a:r>
+                        <a:rPr lang="en-IN" sz="2400" b="1" dirty="0">
+                          <a:effectLst/>
+                        </a:rPr>
+                        <a:t> 12</a:t>
+                      </a:r>
+                      <a:endParaRPr lang="en-IN" sz="2400" b="1" dirty="0">
+                        <a:effectLst/>
+                        <a:latin typeface="Calibri" panose="020F0502020204030204" pitchFamily="34" charset="0"/>
+                      </a:endParaRPr>
+                    </a:p>
+                  </a:txBody>
+                  <a:tcPr marL="50800" marR="50800" marT="50800" marB="50800"/>
+                </a:tc>
+                <a:tc>
+                  <a:txBody>
+                    <a:bodyPr/>
+                    <a:lstStyle/>
+                    <a:p>
+                      <a:pPr marL="0" marR="0" fontAlgn="t">
+                        <a:buNone/>
+                      </a:pPr>
+                      <a:r>
+                        <a:rPr lang="en-IN" sz="2400" b="1" dirty="0">
+                          <a:effectLst/>
+                        </a:rPr>
+                        <a:t> 22</a:t>
+                      </a:r>
+                      <a:endParaRPr lang="en-IN" sz="2400" b="1" dirty="0">
+                        <a:effectLst/>
+                        <a:latin typeface="Calibri" panose="020F0502020204030204" pitchFamily="34" charset="0"/>
+                      </a:endParaRPr>
+                    </a:p>
+                  </a:txBody>
+                  <a:tcPr marL="50800" marR="50800" marT="50800" marB="50800"/>
+                </a:tc>
+                <a:tc>
+                  <a:txBody>
+                    <a:bodyPr/>
+                    <a:lstStyle/>
+                    <a:p>
+                      <a:pPr marL="0" marR="0" fontAlgn="t">
+                        <a:buNone/>
+                      </a:pPr>
+                      <a:r>
+                        <a:rPr lang="en-IN" sz="2400" b="1" dirty="0">
+                          <a:effectLst/>
+                        </a:rPr>
+                        <a:t> 64</a:t>
+                      </a:r>
+                      <a:endParaRPr lang="en-IN" sz="2400" b="1" dirty="0">
+                        <a:effectLst/>
+                        <a:latin typeface="Calibri" panose="020F0502020204030204" pitchFamily="34" charset="0"/>
+                      </a:endParaRPr>
+                    </a:p>
+                  </a:txBody>
+                  <a:tcPr marL="50800" marR="50800" marT="50800" marB="50800"/>
+                </a:tc>
+                <a:extLst>
+                  <a:ext uri="{0D108BD9-81ED-4DB2-BD59-A6C34878D82A}">
+                    <a16:rowId xmlns:a16="http://schemas.microsoft.com/office/drawing/2014/main" val="3389068518"/>
+                  </a:ext>
+                </a:extLst>
+              </a:tr>
+            </a:tbl>
+          </a:graphicData>
+        </a:graphic>
+      </p:graphicFrame>
+      <p:graphicFrame>
+        <p:nvGraphicFramePr>
+          <p:cNvPr id="4" name="Table 3">
+            <a:extLst>
+              <a:ext uri="{FF2B5EF4-FFF2-40B4-BE49-F238E27FC236}">
+                <a16:creationId xmlns:a16="http://schemas.microsoft.com/office/drawing/2014/main" id="{E7F78224-2081-6F61-800E-15E8A5C44C21}"/>
+              </a:ext>
+            </a:extLst>
+          </p:cNvPr>
+          <p:cNvGraphicFramePr>
+            <a:graphicFrameLocks noGrp="1"/>
+          </p:cNvGraphicFramePr>
+          <p:nvPr>
+            <p:extLst>
+              <p:ext uri="{D42A27DB-BD31-4B8C-83A1-F6EECF244321}">
+                <p14:modId xmlns:p14="http://schemas.microsoft.com/office/powerpoint/2010/main" val="566243495"/>
+              </p:ext>
+            </p:extLst>
+          </p:nvPr>
+        </p:nvGraphicFramePr>
+        <p:xfrm>
+          <a:off x="2449054" y="4470106"/>
+          <a:ext cx="3940859" cy="603068"/>
+        </p:xfrm>
+        <a:graphic>
+          <a:graphicData uri="http://schemas.openxmlformats.org/drawingml/2006/table">
+            <a:tbl>
+              <a:tblPr>
+                <a:tableStyleId>{3C2FFA5D-87B4-456A-9821-1D502468CF0F}</a:tableStyleId>
+              </a:tblPr>
+              <a:tblGrid>
+                <a:gridCol w="829720">
+                  <a:extLst>
+                    <a:ext uri="{9D8B030D-6E8A-4147-A177-3AD203B41FA5}">
+                      <a16:colId xmlns:a16="http://schemas.microsoft.com/office/drawing/2014/main" val="386795505"/>
+                    </a:ext>
+                  </a:extLst>
+                </a:gridCol>
+                <a:gridCol w="829720">
+                  <a:extLst>
+                    <a:ext uri="{9D8B030D-6E8A-4147-A177-3AD203B41FA5}">
+                      <a16:colId xmlns:a16="http://schemas.microsoft.com/office/drawing/2014/main" val="2249656903"/>
+                    </a:ext>
+                  </a:extLst>
+                </a:gridCol>
+                <a:gridCol w="829720">
+                  <a:extLst>
+                    <a:ext uri="{9D8B030D-6E8A-4147-A177-3AD203B41FA5}">
+                      <a16:colId xmlns:a16="http://schemas.microsoft.com/office/drawing/2014/main" val="456843575"/>
+                    </a:ext>
+                  </a:extLst>
+                </a:gridCol>
+                <a:gridCol w="829720">
+                  <a:extLst>
+                    <a:ext uri="{9D8B030D-6E8A-4147-A177-3AD203B41FA5}">
+                      <a16:colId xmlns:a16="http://schemas.microsoft.com/office/drawing/2014/main" val="867230786"/>
+                    </a:ext>
+                  </a:extLst>
+                </a:gridCol>
+                <a:gridCol w="621979">
+                  <a:extLst>
+                    <a:ext uri="{9D8B030D-6E8A-4147-A177-3AD203B41FA5}">
+                      <a16:colId xmlns:a16="http://schemas.microsoft.com/office/drawing/2014/main" val="356588303"/>
+                    </a:ext>
+                  </a:extLst>
+                </a:gridCol>
+              </a:tblGrid>
+              <a:tr h="603068">
+                <a:tc>
+                  <a:txBody>
+                    <a:bodyPr/>
+                    <a:lstStyle/>
+                    <a:p>
+                      <a:pPr marL="0" marR="0" fontAlgn="t">
+                        <a:buNone/>
+                      </a:pPr>
+                      <a:r>
+                        <a:rPr lang="en-IN" sz="2400" b="1">
+                          <a:effectLst/>
+                        </a:rPr>
+                        <a:t>11</a:t>
+                      </a:r>
+                      <a:endParaRPr lang="en-IN" sz="2400" b="1">
+                        <a:effectLst/>
+                        <a:latin typeface="Calibri" panose="020F0502020204030204" pitchFamily="34" charset="0"/>
+                      </a:endParaRPr>
+                    </a:p>
+                  </a:txBody>
+                  <a:tcPr marL="50800" marR="50800" marT="50800" marB="50800"/>
+                </a:tc>
+                <a:tc>
+                  <a:txBody>
+                    <a:bodyPr/>
+                    <a:lstStyle/>
+                    <a:p>
+                      <a:pPr marL="0" marR="0" fontAlgn="t">
+                        <a:buNone/>
+                      </a:pPr>
+                      <a:r>
+                        <a:rPr lang="en-IN" sz="2400" b="1" dirty="0">
+                          <a:effectLst/>
+                        </a:rPr>
+                        <a:t>12</a:t>
+                      </a:r>
+                      <a:endParaRPr lang="en-IN" sz="2400" b="1" dirty="0">
+                        <a:effectLst/>
+                        <a:latin typeface="Calibri" panose="020F0502020204030204" pitchFamily="34" charset="0"/>
+                      </a:endParaRPr>
+                    </a:p>
+                  </a:txBody>
+                  <a:tcPr marL="50800" marR="50800" marT="50800" marB="50800"/>
+                </a:tc>
+                <a:tc>
+                  <a:txBody>
+                    <a:bodyPr/>
+                    <a:lstStyle/>
+                    <a:p>
+                      <a:pPr marL="0" marR="0" fontAlgn="t">
+                        <a:buNone/>
+                      </a:pPr>
+                      <a:r>
+                        <a:rPr lang="en-IN" sz="2400" b="1">
+                          <a:effectLst/>
+                        </a:rPr>
+                        <a:t> 25</a:t>
+                      </a:r>
+                      <a:endParaRPr lang="en-IN" sz="2400" b="1">
+                        <a:effectLst/>
+                        <a:latin typeface="Calibri" panose="020F0502020204030204" pitchFamily="34" charset="0"/>
+                      </a:endParaRPr>
+                    </a:p>
+                  </a:txBody>
+                  <a:tcPr marL="50800" marR="50800" marT="50800" marB="50800"/>
+                </a:tc>
+                <a:tc>
+                  <a:txBody>
+                    <a:bodyPr/>
+                    <a:lstStyle/>
+                    <a:p>
+                      <a:pPr marL="0" marR="0" fontAlgn="t">
+                        <a:buNone/>
+                      </a:pPr>
+                      <a:r>
+                        <a:rPr lang="en-IN" sz="2400" b="1">
+                          <a:effectLst/>
+                        </a:rPr>
+                        <a:t> 22</a:t>
+                      </a:r>
+                      <a:endParaRPr lang="en-IN" sz="2400" b="1">
+                        <a:effectLst/>
+                        <a:latin typeface="Calibri" panose="020F0502020204030204" pitchFamily="34" charset="0"/>
+                      </a:endParaRPr>
+                    </a:p>
+                  </a:txBody>
+                  <a:tcPr marL="50800" marR="50800" marT="50800" marB="50800"/>
+                </a:tc>
+                <a:tc>
+                  <a:txBody>
+                    <a:bodyPr/>
+                    <a:lstStyle/>
+                    <a:p>
+                      <a:pPr marL="0" marR="0" fontAlgn="t">
+                        <a:buNone/>
+                      </a:pPr>
+                      <a:r>
+                        <a:rPr lang="en-IN" sz="2400" b="1" dirty="0">
+                          <a:effectLst/>
+                        </a:rPr>
+                        <a:t> 64</a:t>
+                      </a:r>
+                      <a:endParaRPr lang="en-IN" sz="2400" b="1" dirty="0">
+                        <a:effectLst/>
+                        <a:latin typeface="Calibri" panose="020F0502020204030204" pitchFamily="34" charset="0"/>
+                      </a:endParaRPr>
+                    </a:p>
+                  </a:txBody>
+                  <a:tcPr marL="50800" marR="50800" marT="50800" marB="50800"/>
+                </a:tc>
+                <a:extLst>
+                  <a:ext uri="{0D108BD9-81ED-4DB2-BD59-A6C34878D82A}">
+                    <a16:rowId xmlns:a16="http://schemas.microsoft.com/office/drawing/2014/main" val="2893309048"/>
+                  </a:ext>
+                </a:extLst>
+              </a:tr>
+            </a:tbl>
+          </a:graphicData>
+        </a:graphic>
+      </p:graphicFrame>
+    </p:spTree>
+    <p:extLst>
+      <p:ext uri="{BB962C8B-B14F-4D97-AF65-F5344CB8AC3E}">
+        <p14:creationId xmlns:p14="http://schemas.microsoft.com/office/powerpoint/2010/main" val="2020244527"/>
       </p:ext>
     </p:extLst>
   </p:cSld>
@@ -16662,6 +17710,2087 @@
 </p:sld>
 </file>
 
+<file path=ppt/slides/slide60.xml><?xml version="1.0" encoding="utf-8"?>
+<p:sld xmlns:a="http://schemas.openxmlformats.org/drawingml/2006/main" xmlns:r="http://schemas.openxmlformats.org/officeDocument/2006/relationships" xmlns:p="http://schemas.openxmlformats.org/presentationml/2006/main">
+  <p:cSld>
+    <p:spTree>
+      <p:nvGrpSpPr>
+        <p:cNvPr id="1" name="">
+          <a:extLst>
+            <a:ext uri="{FF2B5EF4-FFF2-40B4-BE49-F238E27FC236}">
+              <a16:creationId xmlns:a16="http://schemas.microsoft.com/office/drawing/2014/main" id="{29934A57-C40B-2A4F-0E50-7D65CCE582CC}"/>
+            </a:ext>
+          </a:extLst>
+        </p:cNvPr>
+        <p:cNvGrpSpPr/>
+        <p:nvPr/>
+      </p:nvGrpSpPr>
+      <p:grpSpPr>
+        <a:xfrm>
+          <a:off x="0" y="0"/>
+          <a:ext cx="0" cy="0"/>
+          <a:chOff x="0" y="0"/>
+          <a:chExt cx="0" cy="0"/>
+        </a:xfrm>
+      </p:grpSpPr>
+      <p:sp>
+        <p:nvSpPr>
+          <p:cNvPr id="3" name="Content Placeholder 2">
+            <a:extLst>
+              <a:ext uri="{FF2B5EF4-FFF2-40B4-BE49-F238E27FC236}">
+                <a16:creationId xmlns:a16="http://schemas.microsoft.com/office/drawing/2014/main" id="{738BA2F8-F1FB-8649-7C7A-0000D2042E67}"/>
+              </a:ext>
+            </a:extLst>
+          </p:cNvPr>
+          <p:cNvSpPr>
+            <a:spLocks noGrp="1"/>
+          </p:cNvSpPr>
+          <p:nvPr>
+            <p:ph idx="1"/>
+          </p:nvPr>
+        </p:nvSpPr>
+        <p:spPr>
+          <a:xfrm>
+            <a:off x="777240" y="664029"/>
+            <a:ext cx="10659110" cy="5512934"/>
+          </a:xfrm>
+        </p:spPr>
+        <p:txBody>
+          <a:bodyPr>
+            <a:normAutofit/>
+          </a:bodyPr>
+          <a:lstStyle/>
+          <a:p>
+            <a:pPr marL="0" indent="0">
+              <a:buNone/>
+            </a:pPr>
+            <a:r>
+              <a:rPr lang="en-IN" sz="2800" b="1" dirty="0"/>
+              <a:t>Pass 3 (</a:t>
+            </a:r>
+            <a:r>
+              <a:rPr lang="en-IN" sz="2800" b="1" dirty="0" err="1"/>
+              <a:t>i</a:t>
+            </a:r>
+            <a:r>
+              <a:rPr lang="en-IN" sz="2800" b="1" dirty="0"/>
+              <a:t> = 2)</a:t>
+            </a:r>
+            <a:endParaRPr lang="en-IN" sz="2800" dirty="0"/>
+          </a:p>
+          <a:p>
+            <a:r>
+              <a:rPr lang="en-IN" sz="2800" dirty="0"/>
+              <a:t>Unsorted part:</a:t>
+            </a:r>
+          </a:p>
+          <a:p>
+            <a:endParaRPr lang="en-IN" sz="2800" dirty="0"/>
+          </a:p>
+          <a:p>
+            <a:endParaRPr lang="en-IN" sz="2800" dirty="0"/>
+          </a:p>
+          <a:p>
+            <a:pPr fontAlgn="ctr"/>
+            <a:r>
+              <a:rPr lang="en-IN" sz="2800" dirty="0"/>
+              <a:t>Smallest element → 22</a:t>
+            </a:r>
+          </a:p>
+          <a:p>
+            <a:pPr fontAlgn="ctr"/>
+            <a:r>
+              <a:rPr lang="en-IN" sz="2800" dirty="0"/>
+              <a:t>Swap 22 with 25</a:t>
+            </a:r>
+          </a:p>
+          <a:p>
+            <a:r>
+              <a:rPr lang="en-IN" sz="2800" dirty="0"/>
+              <a:t>After swap:</a:t>
+            </a:r>
+          </a:p>
+          <a:p>
+            <a:endParaRPr lang="en-IN" sz="2800" dirty="0"/>
+          </a:p>
+          <a:p>
+            <a:pPr marL="457200" lvl="1" indent="0">
+              <a:buNone/>
+            </a:pPr>
+            <a:endParaRPr lang="en-IN" sz="2800" dirty="0"/>
+          </a:p>
+          <a:p>
+            <a:endParaRPr lang="en-IN" sz="2800" dirty="0"/>
+          </a:p>
+          <a:p>
+            <a:pPr marL="0" indent="0">
+              <a:buNone/>
+            </a:pPr>
+            <a:endParaRPr lang="en-IN" sz="2800" dirty="0"/>
+          </a:p>
+        </p:txBody>
+      </p:sp>
+      <p:graphicFrame>
+        <p:nvGraphicFramePr>
+          <p:cNvPr id="2" name="Table 1">
+            <a:extLst>
+              <a:ext uri="{FF2B5EF4-FFF2-40B4-BE49-F238E27FC236}">
+                <a16:creationId xmlns:a16="http://schemas.microsoft.com/office/drawing/2014/main" id="{F22240F0-1E2B-9380-2C94-6C8F53EFD17F}"/>
+              </a:ext>
+            </a:extLst>
+          </p:cNvPr>
+          <p:cNvGraphicFramePr>
+            <a:graphicFrameLocks noGrp="1"/>
+          </p:cNvGraphicFramePr>
+          <p:nvPr>
+            <p:extLst>
+              <p:ext uri="{D42A27DB-BD31-4B8C-83A1-F6EECF244321}">
+                <p14:modId xmlns:p14="http://schemas.microsoft.com/office/powerpoint/2010/main" val="3367619340"/>
+              </p:ext>
+            </p:extLst>
+          </p:nvPr>
+        </p:nvGraphicFramePr>
+        <p:xfrm>
+          <a:off x="2089977" y="1786413"/>
+          <a:ext cx="2982765" cy="554015"/>
+        </p:xfrm>
+        <a:graphic>
+          <a:graphicData uri="http://schemas.openxmlformats.org/drawingml/2006/table">
+            <a:tbl>
+              <a:tblPr>
+                <a:tableStyleId>{3C2FFA5D-87B4-456A-9821-1D502468CF0F}</a:tableStyleId>
+              </a:tblPr>
+              <a:tblGrid>
+                <a:gridCol w="691850">
+                  <a:extLst>
+                    <a:ext uri="{9D8B030D-6E8A-4147-A177-3AD203B41FA5}">
+                      <a16:colId xmlns:a16="http://schemas.microsoft.com/office/drawing/2014/main" val="4179042507"/>
+                    </a:ext>
+                  </a:extLst>
+                </a:gridCol>
+                <a:gridCol w="1309375">
+                  <a:extLst>
+                    <a:ext uri="{9D8B030D-6E8A-4147-A177-3AD203B41FA5}">
+                      <a16:colId xmlns:a16="http://schemas.microsoft.com/office/drawing/2014/main" val="3675410302"/>
+                    </a:ext>
+                  </a:extLst>
+                </a:gridCol>
+                <a:gridCol w="981540">
+                  <a:extLst>
+                    <a:ext uri="{9D8B030D-6E8A-4147-A177-3AD203B41FA5}">
+                      <a16:colId xmlns:a16="http://schemas.microsoft.com/office/drawing/2014/main" val="2058293448"/>
+                    </a:ext>
+                  </a:extLst>
+                </a:gridCol>
+              </a:tblGrid>
+              <a:tr h="554015">
+                <a:tc>
+                  <a:txBody>
+                    <a:bodyPr/>
+                    <a:lstStyle/>
+                    <a:p>
+                      <a:pPr marL="0" marR="0" fontAlgn="t">
+                        <a:buNone/>
+                      </a:pPr>
+                      <a:r>
+                        <a:rPr lang="en-IN" sz="2400" b="1" dirty="0">
+                          <a:effectLst/>
+                        </a:rPr>
+                        <a:t>25</a:t>
+                      </a:r>
+                      <a:endParaRPr lang="en-IN" sz="2400" b="1" dirty="0">
+                        <a:effectLst/>
+                        <a:latin typeface="Calibri" panose="020F0502020204030204" pitchFamily="34" charset="0"/>
+                      </a:endParaRPr>
+                    </a:p>
+                  </a:txBody>
+                  <a:tcPr marL="50800" marR="50800" marT="50800" marB="50800"/>
+                </a:tc>
+                <a:tc>
+                  <a:txBody>
+                    <a:bodyPr/>
+                    <a:lstStyle/>
+                    <a:p>
+                      <a:pPr marL="0" marR="0" fontAlgn="t">
+                        <a:buNone/>
+                      </a:pPr>
+                      <a:r>
+                        <a:rPr lang="en-IN" sz="2400" b="1" dirty="0">
+                          <a:effectLst/>
+                        </a:rPr>
+                        <a:t> 22</a:t>
+                      </a:r>
+                      <a:endParaRPr lang="en-IN" sz="2400" b="1" dirty="0">
+                        <a:effectLst/>
+                        <a:latin typeface="Calibri" panose="020F0502020204030204" pitchFamily="34" charset="0"/>
+                      </a:endParaRPr>
+                    </a:p>
+                  </a:txBody>
+                  <a:tcPr marL="50800" marR="50800" marT="50800" marB="50800"/>
+                </a:tc>
+                <a:tc>
+                  <a:txBody>
+                    <a:bodyPr/>
+                    <a:lstStyle/>
+                    <a:p>
+                      <a:pPr marL="0" marR="0" fontAlgn="t">
+                        <a:buNone/>
+                      </a:pPr>
+                      <a:r>
+                        <a:rPr lang="en-IN" sz="2400" b="1" dirty="0">
+                          <a:effectLst/>
+                        </a:rPr>
+                        <a:t> 64</a:t>
+                      </a:r>
+                      <a:endParaRPr lang="en-IN" sz="2400" b="1" dirty="0">
+                        <a:effectLst/>
+                        <a:latin typeface="Calibri" panose="020F0502020204030204" pitchFamily="34" charset="0"/>
+                      </a:endParaRPr>
+                    </a:p>
+                  </a:txBody>
+                  <a:tcPr marL="50800" marR="50800" marT="50800" marB="50800"/>
+                </a:tc>
+                <a:extLst>
+                  <a:ext uri="{0D108BD9-81ED-4DB2-BD59-A6C34878D82A}">
+                    <a16:rowId xmlns:a16="http://schemas.microsoft.com/office/drawing/2014/main" val="2468640503"/>
+                  </a:ext>
+                </a:extLst>
+              </a:tr>
+            </a:tbl>
+          </a:graphicData>
+        </a:graphic>
+      </p:graphicFrame>
+      <p:graphicFrame>
+        <p:nvGraphicFramePr>
+          <p:cNvPr id="4" name="Table 3">
+            <a:extLst>
+              <a:ext uri="{FF2B5EF4-FFF2-40B4-BE49-F238E27FC236}">
+                <a16:creationId xmlns:a16="http://schemas.microsoft.com/office/drawing/2014/main" id="{8BAD2BBA-E962-4C39-844E-01BE85355F6D}"/>
+              </a:ext>
+            </a:extLst>
+          </p:cNvPr>
+          <p:cNvGraphicFramePr>
+            <a:graphicFrameLocks noGrp="1"/>
+          </p:cNvGraphicFramePr>
+          <p:nvPr>
+            <p:extLst>
+              <p:ext uri="{D42A27DB-BD31-4B8C-83A1-F6EECF244321}">
+                <p14:modId xmlns:p14="http://schemas.microsoft.com/office/powerpoint/2010/main" val="2099453387"/>
+              </p:ext>
+            </p:extLst>
+          </p:nvPr>
+        </p:nvGraphicFramePr>
+        <p:xfrm>
+          <a:off x="2089977" y="4604227"/>
+          <a:ext cx="3755956" cy="647337"/>
+        </p:xfrm>
+        <a:graphic>
+          <a:graphicData uri="http://schemas.openxmlformats.org/drawingml/2006/table">
+            <a:tbl>
+              <a:tblPr>
+                <a:tableStyleId>{3C2FFA5D-87B4-456A-9821-1D502468CF0F}</a:tableStyleId>
+              </a:tblPr>
+              <a:tblGrid>
+                <a:gridCol w="790790">
+                  <a:extLst>
+                    <a:ext uri="{9D8B030D-6E8A-4147-A177-3AD203B41FA5}">
+                      <a16:colId xmlns:a16="http://schemas.microsoft.com/office/drawing/2014/main" val="785230494"/>
+                    </a:ext>
+                  </a:extLst>
+                </a:gridCol>
+                <a:gridCol w="790790">
+                  <a:extLst>
+                    <a:ext uri="{9D8B030D-6E8A-4147-A177-3AD203B41FA5}">
+                      <a16:colId xmlns:a16="http://schemas.microsoft.com/office/drawing/2014/main" val="2285233381"/>
+                    </a:ext>
+                  </a:extLst>
+                </a:gridCol>
+                <a:gridCol w="790790">
+                  <a:extLst>
+                    <a:ext uri="{9D8B030D-6E8A-4147-A177-3AD203B41FA5}">
+                      <a16:colId xmlns:a16="http://schemas.microsoft.com/office/drawing/2014/main" val="1307265476"/>
+                    </a:ext>
+                  </a:extLst>
+                </a:gridCol>
+                <a:gridCol w="790790">
+                  <a:extLst>
+                    <a:ext uri="{9D8B030D-6E8A-4147-A177-3AD203B41FA5}">
+                      <a16:colId xmlns:a16="http://schemas.microsoft.com/office/drawing/2014/main" val="2727833987"/>
+                    </a:ext>
+                  </a:extLst>
+                </a:gridCol>
+                <a:gridCol w="592796">
+                  <a:extLst>
+                    <a:ext uri="{9D8B030D-6E8A-4147-A177-3AD203B41FA5}">
+                      <a16:colId xmlns:a16="http://schemas.microsoft.com/office/drawing/2014/main" val="1841921728"/>
+                    </a:ext>
+                  </a:extLst>
+                </a:gridCol>
+              </a:tblGrid>
+              <a:tr h="647337">
+                <a:tc>
+                  <a:txBody>
+                    <a:bodyPr/>
+                    <a:lstStyle/>
+                    <a:p>
+                      <a:pPr marL="0" marR="0" fontAlgn="t">
+                        <a:buNone/>
+                      </a:pPr>
+                      <a:r>
+                        <a:rPr lang="en-IN" sz="2400" b="1">
+                          <a:effectLst/>
+                        </a:rPr>
+                        <a:t>11</a:t>
+                      </a:r>
+                      <a:endParaRPr lang="en-IN" sz="2400" b="1">
+                        <a:effectLst/>
+                        <a:latin typeface="Calibri" panose="020F0502020204030204" pitchFamily="34" charset="0"/>
+                      </a:endParaRPr>
+                    </a:p>
+                  </a:txBody>
+                  <a:tcPr marL="50800" marR="50800" marT="50800" marB="50800"/>
+                </a:tc>
+                <a:tc>
+                  <a:txBody>
+                    <a:bodyPr/>
+                    <a:lstStyle/>
+                    <a:p>
+                      <a:pPr marL="0" marR="0" fontAlgn="t">
+                        <a:buNone/>
+                      </a:pPr>
+                      <a:r>
+                        <a:rPr lang="en-IN" sz="2400" b="1" dirty="0">
+                          <a:effectLst/>
+                        </a:rPr>
+                        <a:t> 12</a:t>
+                      </a:r>
+                      <a:endParaRPr lang="en-IN" sz="2400" b="1" dirty="0">
+                        <a:effectLst/>
+                        <a:latin typeface="Calibri" panose="020F0502020204030204" pitchFamily="34" charset="0"/>
+                      </a:endParaRPr>
+                    </a:p>
+                  </a:txBody>
+                  <a:tcPr marL="50800" marR="50800" marT="50800" marB="50800"/>
+                </a:tc>
+                <a:tc>
+                  <a:txBody>
+                    <a:bodyPr/>
+                    <a:lstStyle/>
+                    <a:p>
+                      <a:pPr marL="0" marR="0" fontAlgn="t">
+                        <a:buNone/>
+                      </a:pPr>
+                      <a:r>
+                        <a:rPr lang="en-IN" sz="2400" b="1">
+                          <a:effectLst/>
+                        </a:rPr>
+                        <a:t> 22</a:t>
+                      </a:r>
+                      <a:endParaRPr lang="en-IN" sz="2400" b="1">
+                        <a:effectLst/>
+                        <a:latin typeface="Calibri" panose="020F0502020204030204" pitchFamily="34" charset="0"/>
+                      </a:endParaRPr>
+                    </a:p>
+                  </a:txBody>
+                  <a:tcPr marL="50800" marR="50800" marT="50800" marB="50800"/>
+                </a:tc>
+                <a:tc>
+                  <a:txBody>
+                    <a:bodyPr/>
+                    <a:lstStyle/>
+                    <a:p>
+                      <a:pPr marL="0" marR="0" fontAlgn="t">
+                        <a:buNone/>
+                      </a:pPr>
+                      <a:r>
+                        <a:rPr lang="en-IN" sz="2400" b="1">
+                          <a:effectLst/>
+                        </a:rPr>
+                        <a:t> 25</a:t>
+                      </a:r>
+                      <a:endParaRPr lang="en-IN" sz="2400" b="1">
+                        <a:effectLst/>
+                        <a:latin typeface="Calibri" panose="020F0502020204030204" pitchFamily="34" charset="0"/>
+                      </a:endParaRPr>
+                    </a:p>
+                  </a:txBody>
+                  <a:tcPr marL="50800" marR="50800" marT="50800" marB="50800"/>
+                </a:tc>
+                <a:tc>
+                  <a:txBody>
+                    <a:bodyPr/>
+                    <a:lstStyle/>
+                    <a:p>
+                      <a:pPr marL="0" marR="0" fontAlgn="t">
+                        <a:buNone/>
+                      </a:pPr>
+                      <a:r>
+                        <a:rPr lang="en-IN" sz="2400" b="1" dirty="0">
+                          <a:effectLst/>
+                        </a:rPr>
+                        <a:t> 64</a:t>
+                      </a:r>
+                      <a:endParaRPr lang="en-IN" sz="2400" b="1" dirty="0">
+                        <a:effectLst/>
+                        <a:latin typeface="Calibri" panose="020F0502020204030204" pitchFamily="34" charset="0"/>
+                      </a:endParaRPr>
+                    </a:p>
+                  </a:txBody>
+                  <a:tcPr marL="50800" marR="50800" marT="50800" marB="50800"/>
+                </a:tc>
+                <a:extLst>
+                  <a:ext uri="{0D108BD9-81ED-4DB2-BD59-A6C34878D82A}">
+                    <a16:rowId xmlns:a16="http://schemas.microsoft.com/office/drawing/2014/main" val="1849792987"/>
+                  </a:ext>
+                </a:extLst>
+              </a:tr>
+            </a:tbl>
+          </a:graphicData>
+        </a:graphic>
+      </p:graphicFrame>
+    </p:spTree>
+    <p:extLst>
+      <p:ext uri="{BB962C8B-B14F-4D97-AF65-F5344CB8AC3E}">
+        <p14:creationId xmlns:p14="http://schemas.microsoft.com/office/powerpoint/2010/main" val="3664730294"/>
+      </p:ext>
+    </p:extLst>
+  </p:cSld>
+  <p:clrMapOvr>
+    <a:masterClrMapping/>
+  </p:clrMapOvr>
+</p:sld>
+</file>
+
+<file path=ppt/slides/slide61.xml><?xml version="1.0" encoding="utf-8"?>
+<p:sld xmlns:a="http://schemas.openxmlformats.org/drawingml/2006/main" xmlns:r="http://schemas.openxmlformats.org/officeDocument/2006/relationships" xmlns:p="http://schemas.openxmlformats.org/presentationml/2006/main">
+  <p:cSld>
+    <p:spTree>
+      <p:nvGrpSpPr>
+        <p:cNvPr id="1" name="">
+          <a:extLst>
+            <a:ext uri="{FF2B5EF4-FFF2-40B4-BE49-F238E27FC236}">
+              <a16:creationId xmlns:a16="http://schemas.microsoft.com/office/drawing/2014/main" id="{CC876D28-1A7C-4DE7-66F2-B01564C5B13B}"/>
+            </a:ext>
+          </a:extLst>
+        </p:cNvPr>
+        <p:cNvGrpSpPr/>
+        <p:nvPr/>
+      </p:nvGrpSpPr>
+      <p:grpSpPr>
+        <a:xfrm>
+          <a:off x="0" y="0"/>
+          <a:ext cx="0" cy="0"/>
+          <a:chOff x="0" y="0"/>
+          <a:chExt cx="0" cy="0"/>
+        </a:xfrm>
+      </p:grpSpPr>
+      <p:sp>
+        <p:nvSpPr>
+          <p:cNvPr id="3" name="Content Placeholder 2">
+            <a:extLst>
+              <a:ext uri="{FF2B5EF4-FFF2-40B4-BE49-F238E27FC236}">
+                <a16:creationId xmlns:a16="http://schemas.microsoft.com/office/drawing/2014/main" id="{B612D846-B6FB-F7D3-A68C-E665BC9DB446}"/>
+              </a:ext>
+            </a:extLst>
+          </p:cNvPr>
+          <p:cNvSpPr>
+            <a:spLocks noGrp="1"/>
+          </p:cNvSpPr>
+          <p:nvPr>
+            <p:ph idx="1"/>
+          </p:nvPr>
+        </p:nvSpPr>
+        <p:spPr>
+          <a:xfrm>
+            <a:off x="777240" y="664029"/>
+            <a:ext cx="10659110" cy="5512934"/>
+          </a:xfrm>
+        </p:spPr>
+        <p:txBody>
+          <a:bodyPr>
+            <a:normAutofit/>
+          </a:bodyPr>
+          <a:lstStyle/>
+          <a:p>
+            <a:pPr marL="0" indent="0">
+              <a:buNone/>
+            </a:pPr>
+            <a:r>
+              <a:rPr lang="en-IN" sz="2800" b="1" dirty="0"/>
+              <a:t>Pass 4 (</a:t>
+            </a:r>
+            <a:r>
+              <a:rPr lang="en-IN" sz="2800" b="1" dirty="0" err="1"/>
+              <a:t>i</a:t>
+            </a:r>
+            <a:r>
+              <a:rPr lang="en-IN" sz="2800" b="1" dirty="0"/>
+              <a:t> = 3)</a:t>
+            </a:r>
+            <a:endParaRPr lang="en-IN" sz="2800" dirty="0"/>
+          </a:p>
+          <a:p>
+            <a:r>
+              <a:rPr lang="en-IN" sz="2800" dirty="0"/>
+              <a:t>Unsorted part:</a:t>
+            </a:r>
+          </a:p>
+          <a:p>
+            <a:endParaRPr lang="en-IN" sz="2800" dirty="0"/>
+          </a:p>
+          <a:p>
+            <a:endParaRPr lang="en-IN" sz="2800" dirty="0"/>
+          </a:p>
+          <a:p>
+            <a:endParaRPr lang="en-IN" sz="2800" dirty="0"/>
+          </a:p>
+          <a:p>
+            <a:pPr fontAlgn="ctr"/>
+            <a:r>
+              <a:rPr lang="en-IN" sz="2800" dirty="0"/>
+              <a:t>Smallest element → 25</a:t>
+            </a:r>
+          </a:p>
+          <a:p>
+            <a:pPr fontAlgn="ctr"/>
+            <a:r>
+              <a:rPr lang="en-IN" sz="2800" dirty="0"/>
+              <a:t>Already in correct place → no swap needed</a:t>
+            </a:r>
+          </a:p>
+          <a:p>
+            <a:r>
+              <a:rPr lang="en-IN" sz="2800" dirty="0"/>
+              <a:t>Array becomes:</a:t>
+            </a:r>
+          </a:p>
+          <a:p>
+            <a:endParaRPr lang="en-IN" sz="2800" dirty="0"/>
+          </a:p>
+          <a:p>
+            <a:pPr marL="0" indent="0">
+              <a:buNone/>
+            </a:pPr>
+            <a:endParaRPr lang="en-IN" sz="2800" dirty="0"/>
+          </a:p>
+        </p:txBody>
+      </p:sp>
+      <p:graphicFrame>
+        <p:nvGraphicFramePr>
+          <p:cNvPr id="2" name="Table 1">
+            <a:extLst>
+              <a:ext uri="{FF2B5EF4-FFF2-40B4-BE49-F238E27FC236}">
+                <a16:creationId xmlns:a16="http://schemas.microsoft.com/office/drawing/2014/main" id="{E1748950-37C4-2745-3F00-F1B9AFA5B7BE}"/>
+              </a:ext>
+            </a:extLst>
+          </p:cNvPr>
+          <p:cNvGraphicFramePr>
+            <a:graphicFrameLocks noGrp="1"/>
+          </p:cNvGraphicFramePr>
+          <p:nvPr>
+            <p:extLst>
+              <p:ext uri="{D42A27DB-BD31-4B8C-83A1-F6EECF244321}">
+                <p14:modId xmlns:p14="http://schemas.microsoft.com/office/powerpoint/2010/main" val="1113562078"/>
+              </p:ext>
+            </p:extLst>
+          </p:nvPr>
+        </p:nvGraphicFramePr>
+        <p:xfrm>
+          <a:off x="2479100" y="2025900"/>
+          <a:ext cx="1733671" cy="599144"/>
+        </p:xfrm>
+        <a:graphic>
+          <a:graphicData uri="http://schemas.openxmlformats.org/drawingml/2006/table">
+            <a:tbl>
+              <a:tblPr>
+                <a:tableStyleId>{3C2FFA5D-87B4-456A-9821-1D502468CF0F}</a:tableStyleId>
+              </a:tblPr>
+              <a:tblGrid>
+                <a:gridCol w="947059">
+                  <a:extLst>
+                    <a:ext uri="{9D8B030D-6E8A-4147-A177-3AD203B41FA5}">
+                      <a16:colId xmlns:a16="http://schemas.microsoft.com/office/drawing/2014/main" val="2944313994"/>
+                    </a:ext>
+                  </a:extLst>
+                </a:gridCol>
+                <a:gridCol w="786612">
+                  <a:extLst>
+                    <a:ext uri="{9D8B030D-6E8A-4147-A177-3AD203B41FA5}">
+                      <a16:colId xmlns:a16="http://schemas.microsoft.com/office/drawing/2014/main" val="1003250622"/>
+                    </a:ext>
+                  </a:extLst>
+                </a:gridCol>
+              </a:tblGrid>
+              <a:tr h="599144">
+                <a:tc>
+                  <a:txBody>
+                    <a:bodyPr/>
+                    <a:lstStyle/>
+                    <a:p>
+                      <a:pPr marL="0" marR="0" fontAlgn="t">
+                        <a:buNone/>
+                      </a:pPr>
+                      <a:r>
+                        <a:rPr lang="en-IN" sz="2400" b="1" dirty="0">
+                          <a:effectLst/>
+                        </a:rPr>
+                        <a:t>25</a:t>
+                      </a:r>
+                      <a:endParaRPr lang="en-IN" sz="2400" b="1" dirty="0">
+                        <a:effectLst/>
+                        <a:latin typeface="Calibri" panose="020F0502020204030204" pitchFamily="34" charset="0"/>
+                      </a:endParaRPr>
+                    </a:p>
+                  </a:txBody>
+                  <a:tcPr marL="50800" marR="50800" marT="50800" marB="50800"/>
+                </a:tc>
+                <a:tc>
+                  <a:txBody>
+                    <a:bodyPr/>
+                    <a:lstStyle/>
+                    <a:p>
+                      <a:pPr marL="0" marR="0" fontAlgn="t">
+                        <a:buNone/>
+                      </a:pPr>
+                      <a:r>
+                        <a:rPr lang="en-IN" sz="2400" b="1" dirty="0">
+                          <a:effectLst/>
+                        </a:rPr>
+                        <a:t> 64</a:t>
+                      </a:r>
+                      <a:endParaRPr lang="en-IN" sz="2400" b="1" dirty="0">
+                        <a:effectLst/>
+                        <a:latin typeface="Calibri" panose="020F0502020204030204" pitchFamily="34" charset="0"/>
+                      </a:endParaRPr>
+                    </a:p>
+                  </a:txBody>
+                  <a:tcPr marL="50800" marR="50800" marT="50800" marB="50800"/>
+                </a:tc>
+                <a:extLst>
+                  <a:ext uri="{0D108BD9-81ED-4DB2-BD59-A6C34878D82A}">
+                    <a16:rowId xmlns:a16="http://schemas.microsoft.com/office/drawing/2014/main" val="962153747"/>
+                  </a:ext>
+                </a:extLst>
+              </a:tr>
+            </a:tbl>
+          </a:graphicData>
+        </a:graphic>
+      </p:graphicFrame>
+      <p:graphicFrame>
+        <p:nvGraphicFramePr>
+          <p:cNvPr id="4" name="Table 3">
+            <a:extLst>
+              <a:ext uri="{FF2B5EF4-FFF2-40B4-BE49-F238E27FC236}">
+                <a16:creationId xmlns:a16="http://schemas.microsoft.com/office/drawing/2014/main" id="{7EEBD5CA-8349-529D-9F6D-681C776CE0CA}"/>
+              </a:ext>
+            </a:extLst>
+          </p:cNvPr>
+          <p:cNvGraphicFramePr>
+            <a:graphicFrameLocks noGrp="1"/>
+          </p:cNvGraphicFramePr>
+          <p:nvPr>
+            <p:extLst>
+              <p:ext uri="{D42A27DB-BD31-4B8C-83A1-F6EECF244321}">
+                <p14:modId xmlns:p14="http://schemas.microsoft.com/office/powerpoint/2010/main" val="3889268462"/>
+              </p:ext>
+            </p:extLst>
+          </p:nvPr>
+        </p:nvGraphicFramePr>
+        <p:xfrm>
+          <a:off x="2479100" y="5126740"/>
+          <a:ext cx="3976129" cy="599145"/>
+        </p:xfrm>
+        <a:graphic>
+          <a:graphicData uri="http://schemas.openxmlformats.org/drawingml/2006/table">
+            <a:tbl>
+              <a:tblPr>
+                <a:tableStyleId>{3C2FFA5D-87B4-456A-9821-1D502468CF0F}</a:tableStyleId>
+              </a:tblPr>
+              <a:tblGrid>
+                <a:gridCol w="837146">
+                  <a:extLst>
+                    <a:ext uri="{9D8B030D-6E8A-4147-A177-3AD203B41FA5}">
+                      <a16:colId xmlns:a16="http://schemas.microsoft.com/office/drawing/2014/main" val="351533806"/>
+                    </a:ext>
+                  </a:extLst>
+                </a:gridCol>
+                <a:gridCol w="837146">
+                  <a:extLst>
+                    <a:ext uri="{9D8B030D-6E8A-4147-A177-3AD203B41FA5}">
+                      <a16:colId xmlns:a16="http://schemas.microsoft.com/office/drawing/2014/main" val="3550725624"/>
+                    </a:ext>
+                  </a:extLst>
+                </a:gridCol>
+                <a:gridCol w="837146">
+                  <a:extLst>
+                    <a:ext uri="{9D8B030D-6E8A-4147-A177-3AD203B41FA5}">
+                      <a16:colId xmlns:a16="http://schemas.microsoft.com/office/drawing/2014/main" val="618193080"/>
+                    </a:ext>
+                  </a:extLst>
+                </a:gridCol>
+                <a:gridCol w="837146">
+                  <a:extLst>
+                    <a:ext uri="{9D8B030D-6E8A-4147-A177-3AD203B41FA5}">
+                      <a16:colId xmlns:a16="http://schemas.microsoft.com/office/drawing/2014/main" val="2690633257"/>
+                    </a:ext>
+                  </a:extLst>
+                </a:gridCol>
+                <a:gridCol w="627545">
+                  <a:extLst>
+                    <a:ext uri="{9D8B030D-6E8A-4147-A177-3AD203B41FA5}">
+                      <a16:colId xmlns:a16="http://schemas.microsoft.com/office/drawing/2014/main" val="2259380087"/>
+                    </a:ext>
+                  </a:extLst>
+                </a:gridCol>
+              </a:tblGrid>
+              <a:tr h="599145">
+                <a:tc>
+                  <a:txBody>
+                    <a:bodyPr/>
+                    <a:lstStyle/>
+                    <a:p>
+                      <a:pPr marL="0" marR="0" fontAlgn="t">
+                        <a:buNone/>
+                      </a:pPr>
+                      <a:r>
+                        <a:rPr lang="en-IN" sz="2400" b="1" dirty="0">
+                          <a:effectLst/>
+                        </a:rPr>
+                        <a:t>11</a:t>
+                      </a:r>
+                      <a:endParaRPr lang="en-IN" sz="2400" b="1" dirty="0">
+                        <a:effectLst/>
+                        <a:latin typeface="Calibri" panose="020F0502020204030204" pitchFamily="34" charset="0"/>
+                      </a:endParaRPr>
+                    </a:p>
+                  </a:txBody>
+                  <a:tcPr marL="50800" marR="50800" marT="50800" marB="50800"/>
+                </a:tc>
+                <a:tc>
+                  <a:txBody>
+                    <a:bodyPr/>
+                    <a:lstStyle/>
+                    <a:p>
+                      <a:pPr marL="0" marR="0" fontAlgn="t">
+                        <a:buNone/>
+                      </a:pPr>
+                      <a:r>
+                        <a:rPr lang="en-IN" sz="2400" b="1" dirty="0">
+                          <a:effectLst/>
+                        </a:rPr>
+                        <a:t> 12</a:t>
+                      </a:r>
+                      <a:endParaRPr lang="en-IN" sz="2400" b="1" dirty="0">
+                        <a:effectLst/>
+                        <a:latin typeface="Calibri" panose="020F0502020204030204" pitchFamily="34" charset="0"/>
+                      </a:endParaRPr>
+                    </a:p>
+                  </a:txBody>
+                  <a:tcPr marL="50800" marR="50800" marT="50800" marB="50800"/>
+                </a:tc>
+                <a:tc>
+                  <a:txBody>
+                    <a:bodyPr/>
+                    <a:lstStyle/>
+                    <a:p>
+                      <a:pPr marL="0" marR="0" fontAlgn="t">
+                        <a:buNone/>
+                      </a:pPr>
+                      <a:r>
+                        <a:rPr lang="en-IN" sz="2400" b="1" dirty="0">
+                          <a:effectLst/>
+                        </a:rPr>
+                        <a:t> 22</a:t>
+                      </a:r>
+                      <a:endParaRPr lang="en-IN" sz="2400" b="1" dirty="0">
+                        <a:effectLst/>
+                        <a:latin typeface="Calibri" panose="020F0502020204030204" pitchFamily="34" charset="0"/>
+                      </a:endParaRPr>
+                    </a:p>
+                  </a:txBody>
+                  <a:tcPr marL="50800" marR="50800" marT="50800" marB="50800"/>
+                </a:tc>
+                <a:tc>
+                  <a:txBody>
+                    <a:bodyPr/>
+                    <a:lstStyle/>
+                    <a:p>
+                      <a:pPr marL="0" marR="0" fontAlgn="t">
+                        <a:buNone/>
+                      </a:pPr>
+                      <a:r>
+                        <a:rPr lang="en-IN" sz="2400" b="1" dirty="0">
+                          <a:effectLst/>
+                        </a:rPr>
+                        <a:t> 25 </a:t>
+                      </a:r>
+                      <a:endParaRPr lang="en-IN" sz="2400" b="1" dirty="0">
+                        <a:effectLst/>
+                        <a:latin typeface="Calibri" panose="020F0502020204030204" pitchFamily="34" charset="0"/>
+                      </a:endParaRPr>
+                    </a:p>
+                  </a:txBody>
+                  <a:tcPr marL="50800" marR="50800" marT="50800" marB="50800"/>
+                </a:tc>
+                <a:tc>
+                  <a:txBody>
+                    <a:bodyPr/>
+                    <a:lstStyle/>
+                    <a:p>
+                      <a:pPr marL="0" marR="0" fontAlgn="t">
+                        <a:buNone/>
+                      </a:pPr>
+                      <a:r>
+                        <a:rPr lang="en-IN" sz="2400" b="1" dirty="0">
+                          <a:effectLst/>
+                        </a:rPr>
+                        <a:t>64</a:t>
+                      </a:r>
+                      <a:endParaRPr lang="en-IN" sz="2400" b="1" dirty="0">
+                        <a:effectLst/>
+                        <a:latin typeface="Calibri" panose="020F0502020204030204" pitchFamily="34" charset="0"/>
+                      </a:endParaRPr>
+                    </a:p>
+                  </a:txBody>
+                  <a:tcPr marL="50800" marR="50800" marT="50800" marB="50800"/>
+                </a:tc>
+                <a:extLst>
+                  <a:ext uri="{0D108BD9-81ED-4DB2-BD59-A6C34878D82A}">
+                    <a16:rowId xmlns:a16="http://schemas.microsoft.com/office/drawing/2014/main" val="3879864053"/>
+                  </a:ext>
+                </a:extLst>
+              </a:tr>
+            </a:tbl>
+          </a:graphicData>
+        </a:graphic>
+      </p:graphicFrame>
+    </p:spTree>
+    <p:extLst>
+      <p:ext uri="{BB962C8B-B14F-4D97-AF65-F5344CB8AC3E}">
+        <p14:creationId xmlns:p14="http://schemas.microsoft.com/office/powerpoint/2010/main" val="879222333"/>
+      </p:ext>
+    </p:extLst>
+  </p:cSld>
+  <p:clrMapOvr>
+    <a:masterClrMapping/>
+  </p:clrMapOvr>
+</p:sld>
+</file>
+
+<file path=ppt/slides/slide62.xml><?xml version="1.0" encoding="utf-8"?>
+<p:sld xmlns:a="http://schemas.openxmlformats.org/drawingml/2006/main" xmlns:r="http://schemas.openxmlformats.org/officeDocument/2006/relationships" xmlns:p="http://schemas.openxmlformats.org/presentationml/2006/main">
+  <p:cSld>
+    <p:spTree>
+      <p:nvGrpSpPr>
+        <p:cNvPr id="1" name="">
+          <a:extLst>
+            <a:ext uri="{FF2B5EF4-FFF2-40B4-BE49-F238E27FC236}">
+              <a16:creationId xmlns:a16="http://schemas.microsoft.com/office/drawing/2014/main" id="{42398474-ED18-851D-2F01-3D7C0B608319}"/>
+            </a:ext>
+          </a:extLst>
+        </p:cNvPr>
+        <p:cNvGrpSpPr/>
+        <p:nvPr/>
+      </p:nvGrpSpPr>
+      <p:grpSpPr>
+        <a:xfrm>
+          <a:off x="0" y="0"/>
+          <a:ext cx="0" cy="0"/>
+          <a:chOff x="0" y="0"/>
+          <a:chExt cx="0" cy="0"/>
+        </a:xfrm>
+      </p:grpSpPr>
+      <p:sp>
+        <p:nvSpPr>
+          <p:cNvPr id="3" name="Content Placeholder 2">
+            <a:extLst>
+              <a:ext uri="{FF2B5EF4-FFF2-40B4-BE49-F238E27FC236}">
+                <a16:creationId xmlns:a16="http://schemas.microsoft.com/office/drawing/2014/main" id="{D3F13214-41A0-5F11-3D1F-96DE7A6DDC4F}"/>
+              </a:ext>
+            </a:extLst>
+          </p:cNvPr>
+          <p:cNvSpPr>
+            <a:spLocks noGrp="1"/>
+          </p:cNvSpPr>
+          <p:nvPr>
+            <p:ph idx="1"/>
+          </p:nvPr>
+        </p:nvSpPr>
+        <p:spPr>
+          <a:xfrm>
+            <a:off x="777240" y="664029"/>
+            <a:ext cx="10659110" cy="5512934"/>
+          </a:xfrm>
+        </p:spPr>
+        <p:txBody>
+          <a:bodyPr>
+            <a:normAutofit/>
+          </a:bodyPr>
+          <a:lstStyle/>
+          <a:p>
+            <a:pPr marL="0" indent="0">
+              <a:buNone/>
+            </a:pPr>
+            <a:r>
+              <a:rPr lang="en-US" sz="2400" b="1" dirty="0"/>
+              <a:t>Program</a:t>
+            </a:r>
+            <a:endParaRPr lang="en-IN" sz="2400" b="1" dirty="0"/>
+          </a:p>
+        </p:txBody>
+      </p:sp>
+      <p:pic>
+        <p:nvPicPr>
+          <p:cNvPr id="4" name="Picture 3">
+            <a:extLst>
+              <a:ext uri="{FF2B5EF4-FFF2-40B4-BE49-F238E27FC236}">
+                <a16:creationId xmlns:a16="http://schemas.microsoft.com/office/drawing/2014/main" id="{5A7F2D30-680D-621C-585A-AD0AFA7007B7}"/>
+              </a:ext>
+            </a:extLst>
+          </p:cNvPr>
+          <p:cNvPicPr>
+            <a:picLocks noChangeAspect="1"/>
+          </p:cNvPicPr>
+          <p:nvPr/>
+        </p:nvPicPr>
+        <p:blipFill>
+          <a:blip r:embed="rId2"/>
+          <a:stretch>
+            <a:fillRect/>
+          </a:stretch>
+        </p:blipFill>
+        <p:spPr>
+          <a:xfrm>
+            <a:off x="2657146" y="566057"/>
+            <a:ext cx="8108825" cy="6068540"/>
+          </a:xfrm>
+          <a:prstGeom prst="rect">
+            <a:avLst/>
+          </a:prstGeom>
+        </p:spPr>
+      </p:pic>
+    </p:spTree>
+    <p:extLst>
+      <p:ext uri="{BB962C8B-B14F-4D97-AF65-F5344CB8AC3E}">
+        <p14:creationId xmlns:p14="http://schemas.microsoft.com/office/powerpoint/2010/main" val="504781771"/>
+      </p:ext>
+    </p:extLst>
+  </p:cSld>
+  <p:clrMapOvr>
+    <a:masterClrMapping/>
+  </p:clrMapOvr>
+</p:sld>
+</file>
+
+<file path=ppt/slides/slide63.xml><?xml version="1.0" encoding="utf-8"?>
+<p:sld xmlns:a="http://schemas.openxmlformats.org/drawingml/2006/main" xmlns:r="http://schemas.openxmlformats.org/officeDocument/2006/relationships" xmlns:p="http://schemas.openxmlformats.org/presentationml/2006/main">
+  <p:cSld>
+    <p:spTree>
+      <p:nvGrpSpPr>
+        <p:cNvPr id="1" name="">
+          <a:extLst>
+            <a:ext uri="{FF2B5EF4-FFF2-40B4-BE49-F238E27FC236}">
+              <a16:creationId xmlns:a16="http://schemas.microsoft.com/office/drawing/2014/main" id="{97A406E9-479D-3662-0658-728ECB1D0D72}"/>
+            </a:ext>
+          </a:extLst>
+        </p:cNvPr>
+        <p:cNvGrpSpPr/>
+        <p:nvPr/>
+      </p:nvGrpSpPr>
+      <p:grpSpPr>
+        <a:xfrm>
+          <a:off x="0" y="0"/>
+          <a:ext cx="0" cy="0"/>
+          <a:chOff x="0" y="0"/>
+          <a:chExt cx="0" cy="0"/>
+        </a:xfrm>
+      </p:grpSpPr>
+      <p:sp>
+        <p:nvSpPr>
+          <p:cNvPr id="3" name="Content Placeholder 2">
+            <a:extLst>
+              <a:ext uri="{FF2B5EF4-FFF2-40B4-BE49-F238E27FC236}">
+                <a16:creationId xmlns:a16="http://schemas.microsoft.com/office/drawing/2014/main" id="{09E1D929-643F-3BFD-B057-506457545FFE}"/>
+              </a:ext>
+            </a:extLst>
+          </p:cNvPr>
+          <p:cNvSpPr>
+            <a:spLocks noGrp="1"/>
+          </p:cNvSpPr>
+          <p:nvPr>
+            <p:ph idx="1"/>
+          </p:nvPr>
+        </p:nvSpPr>
+        <p:spPr>
+          <a:xfrm>
+            <a:off x="777240" y="664029"/>
+            <a:ext cx="10659110" cy="5512934"/>
+          </a:xfrm>
+        </p:spPr>
+        <p:txBody>
+          <a:bodyPr>
+            <a:normAutofit/>
+          </a:bodyPr>
+          <a:lstStyle/>
+          <a:p>
+            <a:pPr marL="0" indent="0">
+              <a:buNone/>
+            </a:pPr>
+            <a:r>
+              <a:rPr lang="en-US" sz="2400" b="1" dirty="0"/>
+              <a:t>Main Method:</a:t>
+            </a:r>
+            <a:endParaRPr lang="en-IN" sz="2400" b="1" dirty="0"/>
+          </a:p>
+        </p:txBody>
+      </p:sp>
+      <p:pic>
+        <p:nvPicPr>
+          <p:cNvPr id="4" name="Picture 3">
+            <a:extLst>
+              <a:ext uri="{FF2B5EF4-FFF2-40B4-BE49-F238E27FC236}">
+                <a16:creationId xmlns:a16="http://schemas.microsoft.com/office/drawing/2014/main" id="{F86C288F-0CE5-82FA-CDDF-5C6BB0C62021}"/>
+              </a:ext>
+            </a:extLst>
+          </p:cNvPr>
+          <p:cNvPicPr>
+            <a:picLocks noChangeAspect="1"/>
+          </p:cNvPicPr>
+          <p:nvPr/>
+        </p:nvPicPr>
+        <p:blipFill>
+          <a:blip r:embed="rId2"/>
+          <a:stretch>
+            <a:fillRect/>
+          </a:stretch>
+        </p:blipFill>
+        <p:spPr>
+          <a:xfrm>
+            <a:off x="3579146" y="283028"/>
+            <a:ext cx="5543083" cy="6344573"/>
+          </a:xfrm>
+          <a:prstGeom prst="rect">
+            <a:avLst/>
+          </a:prstGeom>
+        </p:spPr>
+      </p:pic>
+    </p:spTree>
+    <p:extLst>
+      <p:ext uri="{BB962C8B-B14F-4D97-AF65-F5344CB8AC3E}">
+        <p14:creationId xmlns:p14="http://schemas.microsoft.com/office/powerpoint/2010/main" val="2797004604"/>
+      </p:ext>
+    </p:extLst>
+  </p:cSld>
+  <p:clrMapOvr>
+    <a:masterClrMapping/>
+  </p:clrMapOvr>
+</p:sld>
+</file>
+
+<file path=ppt/slides/slide64.xml><?xml version="1.0" encoding="utf-8"?>
+<p:sld xmlns:a="http://schemas.openxmlformats.org/drawingml/2006/main" xmlns:r="http://schemas.openxmlformats.org/officeDocument/2006/relationships" xmlns:p="http://schemas.openxmlformats.org/presentationml/2006/main">
+  <p:cSld>
+    <p:spTree>
+      <p:nvGrpSpPr>
+        <p:cNvPr id="1" name="">
+          <a:extLst>
+            <a:ext uri="{FF2B5EF4-FFF2-40B4-BE49-F238E27FC236}">
+              <a16:creationId xmlns:a16="http://schemas.microsoft.com/office/drawing/2014/main" id="{2B89653C-EF06-9BFC-A2BA-874AB6BBCD9C}"/>
+            </a:ext>
+          </a:extLst>
+        </p:cNvPr>
+        <p:cNvGrpSpPr/>
+        <p:nvPr/>
+      </p:nvGrpSpPr>
+      <p:grpSpPr>
+        <a:xfrm>
+          <a:off x="0" y="0"/>
+          <a:ext cx="0" cy="0"/>
+          <a:chOff x="0" y="0"/>
+          <a:chExt cx="0" cy="0"/>
+        </a:xfrm>
+      </p:grpSpPr>
+      <p:sp>
+        <p:nvSpPr>
+          <p:cNvPr id="3" name="Content Placeholder 2">
+            <a:extLst>
+              <a:ext uri="{FF2B5EF4-FFF2-40B4-BE49-F238E27FC236}">
+                <a16:creationId xmlns:a16="http://schemas.microsoft.com/office/drawing/2014/main" id="{10751793-4098-4BF1-C478-535E9735ED3A}"/>
+              </a:ext>
+            </a:extLst>
+          </p:cNvPr>
+          <p:cNvSpPr>
+            <a:spLocks noGrp="1"/>
+          </p:cNvSpPr>
+          <p:nvPr>
+            <p:ph idx="1"/>
+          </p:nvPr>
+        </p:nvSpPr>
+        <p:spPr>
+          <a:xfrm>
+            <a:off x="777240" y="664029"/>
+            <a:ext cx="10659110" cy="5512934"/>
+          </a:xfrm>
+        </p:spPr>
+        <p:txBody>
+          <a:bodyPr>
+            <a:normAutofit/>
+          </a:bodyPr>
+          <a:lstStyle/>
+          <a:p>
+            <a:pPr marL="0" indent="0">
+              <a:buNone/>
+            </a:pPr>
+            <a:r>
+              <a:rPr lang="en-US" sz="2800" b="1" dirty="0"/>
+              <a:t>Bubble Sort? </a:t>
+            </a:r>
+          </a:p>
+          <a:p>
+            <a:pPr marL="0" indent="0">
+              <a:buNone/>
+            </a:pPr>
+            <a:r>
+              <a:rPr lang="en-US" sz="2400" b="1" dirty="0"/>
+              <a:t>Bubble Sort</a:t>
+            </a:r>
+            <a:r>
+              <a:rPr lang="en-US" sz="2400" dirty="0"/>
+              <a:t> is a sorting algorithm where:</a:t>
+            </a:r>
+          </a:p>
+          <a:p>
+            <a:r>
+              <a:rPr lang="en-US" sz="2400" dirty="0"/>
+              <a:t>You repeatedly </a:t>
+            </a:r>
+            <a:r>
+              <a:rPr lang="en-US" sz="2400" b="1" dirty="0"/>
+              <a:t>compare adjacent elements</a:t>
+            </a:r>
+          </a:p>
+          <a:p>
+            <a:r>
+              <a:rPr lang="en-US" sz="2400" b="1" dirty="0"/>
+              <a:t>Swap them if they are in the wrong order</a:t>
+            </a:r>
+          </a:p>
+          <a:p>
+            <a:r>
+              <a:rPr lang="en-US" sz="2400" dirty="0"/>
+              <a:t>Larger elements </a:t>
+            </a:r>
+            <a:r>
+              <a:rPr lang="en-US" sz="2400" b="1" dirty="0"/>
+              <a:t>bubble up</a:t>
+            </a:r>
+            <a:r>
+              <a:rPr lang="en-US" sz="2400" dirty="0"/>
+              <a:t> to the end</a:t>
+            </a:r>
+          </a:p>
+          <a:p>
+            <a:pPr marL="0" indent="0">
+              <a:buNone/>
+            </a:pPr>
+            <a:br>
+              <a:rPr lang="en-US" sz="2400" dirty="0"/>
+            </a:br>
+            <a:endParaRPr lang="en-US" sz="2400" dirty="0"/>
+          </a:p>
+          <a:p>
+            <a:pPr marL="0" indent="0">
+              <a:buNone/>
+            </a:pPr>
+            <a:r>
+              <a:rPr lang="en-US" sz="2400" b="1" dirty="0"/>
+              <a:t>Why is it called </a:t>
+            </a:r>
+            <a:r>
+              <a:rPr lang="en-US" sz="2400" b="1" i="1" dirty="0"/>
+              <a:t>Bubble</a:t>
+            </a:r>
+            <a:r>
+              <a:rPr lang="en-US" sz="2400" b="1" dirty="0"/>
+              <a:t> Sort?</a:t>
+            </a:r>
+          </a:p>
+          <a:p>
+            <a:pPr marL="0" indent="0">
+              <a:buNone/>
+            </a:pPr>
+            <a:r>
+              <a:rPr lang="en-US" sz="2400" dirty="0"/>
+              <a:t>Because the </a:t>
+            </a:r>
+            <a:r>
+              <a:rPr lang="en-US" sz="2400" b="1" dirty="0"/>
+              <a:t>largest elements move to the top (end)</a:t>
+            </a:r>
+            <a:r>
+              <a:rPr lang="en-US" sz="2400" dirty="0"/>
+              <a:t> of the list like </a:t>
+            </a:r>
+            <a:r>
+              <a:rPr lang="en-US" sz="2400" b="1" dirty="0"/>
+              <a:t>air bubbles in water.</a:t>
+            </a:r>
+            <a:endParaRPr lang="en-US" sz="2400" dirty="0"/>
+          </a:p>
+          <a:p>
+            <a:pPr marL="0" indent="0">
+              <a:buNone/>
+            </a:pPr>
+            <a:endParaRPr lang="en-IN" sz="2400" dirty="0"/>
+          </a:p>
+        </p:txBody>
+      </p:sp>
+    </p:spTree>
+    <p:extLst>
+      <p:ext uri="{BB962C8B-B14F-4D97-AF65-F5344CB8AC3E}">
+        <p14:creationId xmlns:p14="http://schemas.microsoft.com/office/powerpoint/2010/main" val="1859374039"/>
+      </p:ext>
+    </p:extLst>
+  </p:cSld>
+  <p:clrMapOvr>
+    <a:masterClrMapping/>
+  </p:clrMapOvr>
+</p:sld>
+</file>
+
+<file path=ppt/slides/slide65.xml><?xml version="1.0" encoding="utf-8"?>
+<p:sld xmlns:a="http://schemas.openxmlformats.org/drawingml/2006/main" xmlns:r="http://schemas.openxmlformats.org/officeDocument/2006/relationships" xmlns:p="http://schemas.openxmlformats.org/presentationml/2006/main">
+  <p:cSld>
+    <p:spTree>
+      <p:nvGrpSpPr>
+        <p:cNvPr id="1" name="">
+          <a:extLst>
+            <a:ext uri="{FF2B5EF4-FFF2-40B4-BE49-F238E27FC236}">
+              <a16:creationId xmlns:a16="http://schemas.microsoft.com/office/drawing/2014/main" id="{223E158E-5DEE-30E8-C6FB-AAEFA827FF6D}"/>
+            </a:ext>
+          </a:extLst>
+        </p:cNvPr>
+        <p:cNvGrpSpPr/>
+        <p:nvPr/>
+      </p:nvGrpSpPr>
+      <p:grpSpPr>
+        <a:xfrm>
+          <a:off x="0" y="0"/>
+          <a:ext cx="0" cy="0"/>
+          <a:chOff x="0" y="0"/>
+          <a:chExt cx="0" cy="0"/>
+        </a:xfrm>
+      </p:grpSpPr>
+      <p:sp>
+        <p:nvSpPr>
+          <p:cNvPr id="3" name="Content Placeholder 2">
+            <a:extLst>
+              <a:ext uri="{FF2B5EF4-FFF2-40B4-BE49-F238E27FC236}">
+                <a16:creationId xmlns:a16="http://schemas.microsoft.com/office/drawing/2014/main" id="{67F8623D-2A67-B923-AF97-7A5651856774}"/>
+              </a:ext>
+            </a:extLst>
+          </p:cNvPr>
+          <p:cNvSpPr>
+            <a:spLocks noGrp="1"/>
+          </p:cNvSpPr>
+          <p:nvPr>
+            <p:ph idx="1"/>
+          </p:nvPr>
+        </p:nvSpPr>
+        <p:spPr>
+          <a:xfrm>
+            <a:off x="566057" y="947057"/>
+            <a:ext cx="11375571" cy="5229906"/>
+          </a:xfrm>
+        </p:spPr>
+        <p:txBody>
+          <a:bodyPr>
+            <a:normAutofit/>
+          </a:bodyPr>
+          <a:lstStyle/>
+          <a:p>
+            <a:pPr marL="0" indent="0">
+              <a:buNone/>
+            </a:pPr>
+            <a:r>
+              <a:rPr lang="en-IN" sz="2800" b="1" dirty="0"/>
+              <a:t>Algorithm:</a:t>
+            </a:r>
+          </a:p>
+          <a:p>
+            <a:pPr marL="0" indent="0">
+              <a:buNone/>
+            </a:pPr>
+            <a:r>
+              <a:rPr lang="en-US" sz="2800" b="1" dirty="0"/>
+              <a:t>STEP-1: </a:t>
+            </a:r>
+            <a:r>
+              <a:rPr lang="en-US" sz="2800" dirty="0"/>
+              <a:t>Compare the first two elements.</a:t>
+            </a:r>
+          </a:p>
+          <a:p>
+            <a:pPr marL="0" indent="0">
+              <a:buNone/>
+            </a:pPr>
+            <a:r>
+              <a:rPr lang="en-US" sz="2800" b="1" dirty="0"/>
+              <a:t>STEP-2: </a:t>
+            </a:r>
+            <a:r>
+              <a:rPr lang="en-US" sz="2800" dirty="0"/>
+              <a:t>If the first is greater than the second, swap them.</a:t>
+            </a:r>
+          </a:p>
+          <a:p>
+            <a:pPr marL="0" indent="0">
+              <a:buNone/>
+            </a:pPr>
+            <a:r>
+              <a:rPr lang="en-US" sz="2800" b="1" dirty="0"/>
+              <a:t>STEP-3: </a:t>
+            </a:r>
+            <a:r>
+              <a:rPr lang="en-US" sz="2800" dirty="0"/>
+              <a:t>Move to the next pair and repeat until you reach the end of the array.</a:t>
+            </a:r>
+          </a:p>
+          <a:p>
+            <a:pPr marL="0" indent="0">
+              <a:buNone/>
+            </a:pPr>
+            <a:r>
+              <a:rPr lang="en-US" sz="2800" b="1" dirty="0"/>
+              <a:t>STEP-4: </a:t>
+            </a:r>
+            <a:r>
+              <a:rPr lang="en-US" sz="2800" dirty="0"/>
+              <a:t>After one full pass, the largest element is guaranteed to be at the last position.</a:t>
+            </a:r>
+          </a:p>
+          <a:p>
+            <a:pPr marL="0" indent="0">
+              <a:buNone/>
+            </a:pPr>
+            <a:r>
+              <a:rPr lang="en-US" sz="2800" b="1" dirty="0"/>
+              <a:t>STEP-5: </a:t>
+            </a:r>
+            <a:r>
+              <a:rPr lang="en-US" sz="2800" dirty="0"/>
+              <a:t>Repeat the process for the remaining unsorted elements.</a:t>
+            </a:r>
+            <a:endParaRPr lang="en-IN" sz="2800" dirty="0"/>
+          </a:p>
+        </p:txBody>
+      </p:sp>
+    </p:spTree>
+    <p:extLst>
+      <p:ext uri="{BB962C8B-B14F-4D97-AF65-F5344CB8AC3E}">
+        <p14:creationId xmlns:p14="http://schemas.microsoft.com/office/powerpoint/2010/main" val="1276771638"/>
+      </p:ext>
+    </p:extLst>
+  </p:cSld>
+  <p:clrMapOvr>
+    <a:masterClrMapping/>
+  </p:clrMapOvr>
+</p:sld>
+</file>
+
+<file path=ppt/slides/slide66.xml><?xml version="1.0" encoding="utf-8"?>
+<p:sld xmlns:a="http://schemas.openxmlformats.org/drawingml/2006/main" xmlns:r="http://schemas.openxmlformats.org/officeDocument/2006/relationships" xmlns:p="http://schemas.openxmlformats.org/presentationml/2006/main">
+  <p:cSld>
+    <p:spTree>
+      <p:nvGrpSpPr>
+        <p:cNvPr id="1" name="">
+          <a:extLst>
+            <a:ext uri="{FF2B5EF4-FFF2-40B4-BE49-F238E27FC236}">
+              <a16:creationId xmlns:a16="http://schemas.microsoft.com/office/drawing/2014/main" id="{CEF31B68-9FC2-1D9F-A6ED-197B2BF1120A}"/>
+            </a:ext>
+          </a:extLst>
+        </p:cNvPr>
+        <p:cNvGrpSpPr/>
+        <p:nvPr/>
+      </p:nvGrpSpPr>
+      <p:grpSpPr>
+        <a:xfrm>
+          <a:off x="0" y="0"/>
+          <a:ext cx="0" cy="0"/>
+          <a:chOff x="0" y="0"/>
+          <a:chExt cx="0" cy="0"/>
+        </a:xfrm>
+      </p:grpSpPr>
+      <p:sp>
+        <p:nvSpPr>
+          <p:cNvPr id="3" name="Content Placeholder 2">
+            <a:extLst>
+              <a:ext uri="{FF2B5EF4-FFF2-40B4-BE49-F238E27FC236}">
+                <a16:creationId xmlns:a16="http://schemas.microsoft.com/office/drawing/2014/main" id="{B7E84093-29FB-4A85-66D4-6FED627B3D6E}"/>
+              </a:ext>
+            </a:extLst>
+          </p:cNvPr>
+          <p:cNvSpPr>
+            <a:spLocks noGrp="1"/>
+          </p:cNvSpPr>
+          <p:nvPr>
+            <p:ph idx="1"/>
+          </p:nvPr>
+        </p:nvSpPr>
+        <p:spPr>
+          <a:xfrm>
+            <a:off x="777240" y="664029"/>
+            <a:ext cx="10659110" cy="5512934"/>
+          </a:xfrm>
+        </p:spPr>
+        <p:txBody>
+          <a:bodyPr>
+            <a:normAutofit/>
+          </a:bodyPr>
+          <a:lstStyle/>
+          <a:p>
+            <a:pPr marL="0" indent="0">
+              <a:buNone/>
+            </a:pPr>
+            <a:r>
+              <a:rPr lang="en-US" sz="2800" b="1" dirty="0"/>
+              <a:t>Example:</a:t>
+            </a:r>
+          </a:p>
+          <a:p>
+            <a:pPr marL="0" indent="0">
+              <a:buNone/>
+            </a:pPr>
+            <a:r>
+              <a:rPr lang="en-US" sz="2800" dirty="0"/>
+              <a:t>Let's sort the array: </a:t>
+            </a:r>
+            <a:r>
+              <a:rPr lang="en-US" sz="2800" b="1" dirty="0"/>
+              <a:t>[5, 1, 4, 2]</a:t>
+            </a:r>
+            <a:endParaRPr lang="en-US" sz="2800" dirty="0"/>
+          </a:p>
+          <a:p>
+            <a:r>
+              <a:rPr lang="en-US" sz="2800" b="1" dirty="0"/>
+              <a:t>Pass 1:</a:t>
+            </a:r>
+          </a:p>
+          <a:p>
+            <a:pPr lvl="1"/>
+            <a:r>
+              <a:rPr lang="en-US" sz="2800" dirty="0"/>
+              <a:t>( </a:t>
+            </a:r>
+            <a:r>
+              <a:rPr lang="en-US" sz="2800" b="1" dirty="0">
+                <a:solidFill>
+                  <a:srgbClr val="C00000"/>
+                </a:solidFill>
+              </a:rPr>
+              <a:t>5</a:t>
+            </a:r>
+            <a:r>
+              <a:rPr lang="en-US" sz="2800" dirty="0"/>
+              <a:t>, </a:t>
+            </a:r>
+            <a:r>
+              <a:rPr lang="en-US" sz="2800" b="1" dirty="0">
+                <a:solidFill>
+                  <a:srgbClr val="C00000"/>
+                </a:solidFill>
+              </a:rPr>
+              <a:t>1</a:t>
+            </a:r>
+            <a:r>
+              <a:rPr lang="en-US" sz="2800" dirty="0"/>
+              <a:t>, 4, 2 ) → 5 &gt; 1, so </a:t>
+            </a:r>
+            <a:r>
+              <a:rPr lang="en-US" sz="2800" b="1" dirty="0"/>
+              <a:t>Swap</a:t>
+            </a:r>
+            <a:r>
+              <a:rPr lang="en-US" sz="2800" dirty="0"/>
+              <a:t> → ( 1, 5, 4, 2 )</a:t>
+            </a:r>
+          </a:p>
+          <a:p>
+            <a:pPr lvl="1"/>
+            <a:r>
+              <a:rPr lang="en-US" sz="2800" dirty="0"/>
+              <a:t>( 1, </a:t>
+            </a:r>
+            <a:r>
+              <a:rPr lang="en-US" sz="2800" b="1" dirty="0">
+                <a:solidFill>
+                  <a:srgbClr val="C00000"/>
+                </a:solidFill>
+              </a:rPr>
+              <a:t>5</a:t>
+            </a:r>
+            <a:r>
+              <a:rPr lang="en-US" sz="2800" dirty="0"/>
+              <a:t>, </a:t>
+            </a:r>
+            <a:r>
+              <a:rPr lang="en-US" sz="2800" b="1" dirty="0">
+                <a:solidFill>
+                  <a:srgbClr val="C00000"/>
+                </a:solidFill>
+              </a:rPr>
+              <a:t>4</a:t>
+            </a:r>
+            <a:r>
+              <a:rPr lang="en-US" sz="2800" dirty="0"/>
+              <a:t>, 2 ) → 5 &gt; 4, so </a:t>
+            </a:r>
+            <a:r>
+              <a:rPr lang="en-US" sz="2800" b="1" dirty="0"/>
+              <a:t>Swap</a:t>
+            </a:r>
+            <a:r>
+              <a:rPr lang="en-US" sz="2800" dirty="0"/>
+              <a:t> → ( 1, 4, 5, 2 )</a:t>
+            </a:r>
+          </a:p>
+          <a:p>
+            <a:pPr lvl="1"/>
+            <a:r>
+              <a:rPr lang="en-US" sz="2800" dirty="0"/>
+              <a:t>( 1, 4, </a:t>
+            </a:r>
+            <a:r>
+              <a:rPr lang="en-US" sz="2800" b="1" dirty="0">
+                <a:solidFill>
+                  <a:srgbClr val="C00000"/>
+                </a:solidFill>
+              </a:rPr>
+              <a:t>5</a:t>
+            </a:r>
+            <a:r>
+              <a:rPr lang="en-US" sz="2800" dirty="0"/>
+              <a:t>, </a:t>
+            </a:r>
+            <a:r>
+              <a:rPr lang="en-US" sz="2800" b="1" dirty="0">
+                <a:solidFill>
+                  <a:srgbClr val="C00000"/>
+                </a:solidFill>
+              </a:rPr>
+              <a:t>2</a:t>
+            </a:r>
+            <a:r>
+              <a:rPr lang="en-US" sz="2800" dirty="0"/>
+              <a:t> ) → 5 &gt; 2, so </a:t>
+            </a:r>
+            <a:r>
+              <a:rPr lang="en-US" sz="2800" b="1" dirty="0"/>
+              <a:t>Swap</a:t>
+            </a:r>
+            <a:r>
+              <a:rPr lang="en-US" sz="2800" dirty="0"/>
+              <a:t> → ( 1, 4, 2, </a:t>
+            </a:r>
+            <a:r>
+              <a:rPr lang="en-US" sz="2800" b="1" dirty="0"/>
+              <a:t>5</a:t>
+            </a:r>
+            <a:r>
+              <a:rPr lang="en-US" sz="2800" dirty="0"/>
+              <a:t> )</a:t>
+            </a:r>
+          </a:p>
+          <a:p>
+            <a:pPr marL="0" indent="0">
+              <a:buNone/>
+            </a:pPr>
+            <a:endParaRPr lang="en-US" sz="2800" i="1" dirty="0"/>
+          </a:p>
+          <a:p>
+            <a:pPr marL="0" indent="0">
+              <a:buNone/>
+            </a:pPr>
+            <a:r>
+              <a:rPr lang="en-US" sz="2800" b="1" i="1" dirty="0"/>
+              <a:t>End of Pass 1: </a:t>
+            </a:r>
+            <a:r>
+              <a:rPr lang="en-US" sz="2800" i="1" dirty="0"/>
+              <a:t>The </a:t>
+            </a:r>
+            <a:r>
+              <a:rPr lang="en-US" sz="2800" b="1" i="1" dirty="0">
+                <a:solidFill>
+                  <a:srgbClr val="C00000"/>
+                </a:solidFill>
+              </a:rPr>
+              <a:t>largest number </a:t>
+            </a:r>
+            <a:r>
+              <a:rPr lang="en-US" sz="2800" i="1" dirty="0"/>
+              <a:t>(5) is now at the end.</a:t>
+            </a:r>
+            <a:endParaRPr lang="en-US" sz="2800" dirty="0"/>
+          </a:p>
+          <a:p>
+            <a:pPr marL="0" indent="0">
+              <a:buNone/>
+            </a:pPr>
+            <a:endParaRPr lang="en-IN" sz="2800" dirty="0"/>
+          </a:p>
+        </p:txBody>
+      </p:sp>
+    </p:spTree>
+    <p:extLst>
+      <p:ext uri="{BB962C8B-B14F-4D97-AF65-F5344CB8AC3E}">
+        <p14:creationId xmlns:p14="http://schemas.microsoft.com/office/powerpoint/2010/main" val="2011338296"/>
+      </p:ext>
+    </p:extLst>
+  </p:cSld>
+  <p:clrMapOvr>
+    <a:masterClrMapping/>
+  </p:clrMapOvr>
+</p:sld>
+</file>
+
+<file path=ppt/slides/slide67.xml><?xml version="1.0" encoding="utf-8"?>
+<p:sld xmlns:a="http://schemas.openxmlformats.org/drawingml/2006/main" xmlns:r="http://schemas.openxmlformats.org/officeDocument/2006/relationships" xmlns:p="http://schemas.openxmlformats.org/presentationml/2006/main">
+  <p:cSld>
+    <p:spTree>
+      <p:nvGrpSpPr>
+        <p:cNvPr id="1" name="">
+          <a:extLst>
+            <a:ext uri="{FF2B5EF4-FFF2-40B4-BE49-F238E27FC236}">
+              <a16:creationId xmlns:a16="http://schemas.microsoft.com/office/drawing/2014/main" id="{6693461F-C46B-4D0B-E1DC-D357F6230768}"/>
+            </a:ext>
+          </a:extLst>
+        </p:cNvPr>
+        <p:cNvGrpSpPr/>
+        <p:nvPr/>
+      </p:nvGrpSpPr>
+      <p:grpSpPr>
+        <a:xfrm>
+          <a:off x="0" y="0"/>
+          <a:ext cx="0" cy="0"/>
+          <a:chOff x="0" y="0"/>
+          <a:chExt cx="0" cy="0"/>
+        </a:xfrm>
+      </p:grpSpPr>
+      <p:sp>
+        <p:nvSpPr>
+          <p:cNvPr id="3" name="Content Placeholder 2">
+            <a:extLst>
+              <a:ext uri="{FF2B5EF4-FFF2-40B4-BE49-F238E27FC236}">
+                <a16:creationId xmlns:a16="http://schemas.microsoft.com/office/drawing/2014/main" id="{2BE5AD60-E1FD-C55E-A26F-2A29365D1EDC}"/>
+              </a:ext>
+            </a:extLst>
+          </p:cNvPr>
+          <p:cNvSpPr>
+            <a:spLocks noGrp="1"/>
+          </p:cNvSpPr>
+          <p:nvPr>
+            <p:ph idx="1"/>
+          </p:nvPr>
+        </p:nvSpPr>
+        <p:spPr>
+          <a:xfrm>
+            <a:off x="777240" y="892629"/>
+            <a:ext cx="10659110" cy="5284334"/>
+          </a:xfrm>
+        </p:spPr>
+        <p:txBody>
+          <a:bodyPr>
+            <a:normAutofit/>
+          </a:bodyPr>
+          <a:lstStyle/>
+          <a:p>
+            <a:pPr marL="0" indent="0">
+              <a:buNone/>
+            </a:pPr>
+            <a:r>
+              <a:rPr lang="en-US" sz="2800" b="1" dirty="0"/>
+              <a:t>Pass 2:</a:t>
+            </a:r>
+          </a:p>
+          <a:p>
+            <a:pPr lvl="1"/>
+            <a:r>
+              <a:rPr lang="en-US" sz="2800" dirty="0"/>
+              <a:t>( </a:t>
+            </a:r>
+            <a:r>
+              <a:rPr lang="en-US" sz="2800" b="1" dirty="0"/>
+              <a:t>1</a:t>
+            </a:r>
+            <a:r>
+              <a:rPr lang="en-US" sz="2800" dirty="0"/>
+              <a:t>, </a:t>
+            </a:r>
+            <a:r>
+              <a:rPr lang="en-US" sz="2800" b="1" dirty="0"/>
+              <a:t>4</a:t>
+            </a:r>
+            <a:r>
+              <a:rPr lang="en-US" sz="2800" dirty="0"/>
+              <a:t>, 2, 5 ) → 1 &lt; 4, </a:t>
+            </a:r>
+            <a:r>
+              <a:rPr lang="en-US" sz="2800" b="1" dirty="0"/>
+              <a:t>No Swap</a:t>
+            </a:r>
+            <a:endParaRPr lang="en-US" sz="2800" dirty="0"/>
+          </a:p>
+          <a:p>
+            <a:pPr lvl="1"/>
+            <a:r>
+              <a:rPr lang="en-US" sz="2800" dirty="0"/>
+              <a:t>( 1, </a:t>
+            </a:r>
+            <a:r>
+              <a:rPr lang="en-US" sz="2800" b="1" dirty="0"/>
+              <a:t>4</a:t>
+            </a:r>
+            <a:r>
+              <a:rPr lang="en-US" sz="2800" dirty="0"/>
+              <a:t>, </a:t>
+            </a:r>
+            <a:r>
+              <a:rPr lang="en-US" sz="2800" b="1" dirty="0"/>
+              <a:t>2</a:t>
+            </a:r>
+            <a:r>
+              <a:rPr lang="en-US" sz="2800" dirty="0"/>
+              <a:t>, 5 ) → 4 &gt; 2, so </a:t>
+            </a:r>
+            <a:r>
+              <a:rPr lang="en-US" sz="2800" b="1" dirty="0"/>
+              <a:t>Swap</a:t>
+            </a:r>
+            <a:r>
+              <a:rPr lang="en-US" sz="2800" dirty="0"/>
+              <a:t> → ( 1, 2, </a:t>
+            </a:r>
+            <a:r>
+              <a:rPr lang="en-US" sz="2800" b="1" dirty="0"/>
+              <a:t>4</a:t>
+            </a:r>
+            <a:r>
+              <a:rPr lang="en-US" sz="2800" dirty="0"/>
+              <a:t>, 5 )</a:t>
+            </a:r>
+          </a:p>
+          <a:p>
+            <a:pPr marL="0" indent="0">
+              <a:buNone/>
+            </a:pPr>
+            <a:r>
+              <a:rPr lang="en-US" sz="2800" i="1" dirty="0"/>
+              <a:t>End of Pass 2: The second largest number (4) is in its correct place.</a:t>
+            </a:r>
+            <a:endParaRPr lang="en-US" sz="2800" dirty="0"/>
+          </a:p>
+          <a:p>
+            <a:pPr marL="0" indent="0">
+              <a:buNone/>
+            </a:pPr>
+            <a:endParaRPr lang="en-US" sz="2800" b="1" dirty="0"/>
+          </a:p>
+          <a:p>
+            <a:pPr marL="0" indent="0">
+              <a:buNone/>
+            </a:pPr>
+            <a:r>
+              <a:rPr lang="en-US" sz="2800" b="1" dirty="0"/>
+              <a:t>Pass 3:</a:t>
+            </a:r>
+          </a:p>
+          <a:p>
+            <a:pPr lvl="1"/>
+            <a:r>
+              <a:rPr lang="en-US" sz="2800" dirty="0"/>
+              <a:t>( </a:t>
+            </a:r>
+            <a:r>
+              <a:rPr lang="en-US" sz="2800" b="1" dirty="0"/>
+              <a:t>1</a:t>
+            </a:r>
+            <a:r>
+              <a:rPr lang="en-US" sz="2800" dirty="0"/>
+              <a:t>, </a:t>
+            </a:r>
+            <a:r>
+              <a:rPr lang="en-US" sz="2800" b="1" dirty="0"/>
+              <a:t>2</a:t>
+            </a:r>
+            <a:r>
+              <a:rPr lang="en-US" sz="2800" dirty="0"/>
+              <a:t>, 4, 5 ) → 1 &lt; 2, </a:t>
+            </a:r>
+            <a:r>
+              <a:rPr lang="en-US" sz="2800" b="1" dirty="0"/>
+              <a:t>No Swap</a:t>
+            </a:r>
+            <a:endParaRPr lang="en-US" sz="2800" dirty="0"/>
+          </a:p>
+          <a:p>
+            <a:pPr marL="0" indent="0">
+              <a:buNone/>
+            </a:pPr>
+            <a:r>
+              <a:rPr lang="en-US" sz="2800" i="1" dirty="0"/>
+              <a:t>End of Pass 3: The array is fully sorted.</a:t>
+            </a:r>
+          </a:p>
+          <a:p>
+            <a:pPr marL="0" indent="0">
+              <a:buNone/>
+            </a:pPr>
+            <a:endParaRPr lang="en-US" sz="2800" dirty="0"/>
+          </a:p>
+          <a:p>
+            <a:pPr marL="0" indent="0">
+              <a:buNone/>
+            </a:pPr>
+            <a:r>
+              <a:rPr lang="en-US" sz="2800" b="1" dirty="0"/>
+              <a:t>Final Sorted Array:</a:t>
+            </a:r>
+            <a:r>
+              <a:rPr lang="en-US" sz="2800" dirty="0"/>
+              <a:t> [1, 2, 4, 5]</a:t>
+            </a:r>
+          </a:p>
+          <a:p>
+            <a:pPr marL="0" indent="0">
+              <a:buNone/>
+            </a:pPr>
+            <a:endParaRPr lang="en-IN" sz="2800" dirty="0"/>
+          </a:p>
+        </p:txBody>
+      </p:sp>
+    </p:spTree>
+    <p:extLst>
+      <p:ext uri="{BB962C8B-B14F-4D97-AF65-F5344CB8AC3E}">
+        <p14:creationId xmlns:p14="http://schemas.microsoft.com/office/powerpoint/2010/main" val="488034515"/>
+      </p:ext>
+    </p:extLst>
+  </p:cSld>
+  <p:clrMapOvr>
+    <a:masterClrMapping/>
+  </p:clrMapOvr>
+</p:sld>
+</file>
+
+<file path=ppt/slides/slide68.xml><?xml version="1.0" encoding="utf-8"?>
+<p:sld xmlns:a="http://schemas.openxmlformats.org/drawingml/2006/main" xmlns:r="http://schemas.openxmlformats.org/officeDocument/2006/relationships" xmlns:p="http://schemas.openxmlformats.org/presentationml/2006/main">
+  <p:cSld>
+    <p:spTree>
+      <p:nvGrpSpPr>
+        <p:cNvPr id="1" name="">
+          <a:extLst>
+            <a:ext uri="{FF2B5EF4-FFF2-40B4-BE49-F238E27FC236}">
+              <a16:creationId xmlns:a16="http://schemas.microsoft.com/office/drawing/2014/main" id="{3444C2A0-7A25-D67A-789A-BED6DEA4A6EC}"/>
+            </a:ext>
+          </a:extLst>
+        </p:cNvPr>
+        <p:cNvGrpSpPr/>
+        <p:nvPr/>
+      </p:nvGrpSpPr>
+      <p:grpSpPr>
+        <a:xfrm>
+          <a:off x="0" y="0"/>
+          <a:ext cx="0" cy="0"/>
+          <a:chOff x="0" y="0"/>
+          <a:chExt cx="0" cy="0"/>
+        </a:xfrm>
+      </p:grpSpPr>
+      <p:sp>
+        <p:nvSpPr>
+          <p:cNvPr id="3" name="Content Placeholder 2">
+            <a:extLst>
+              <a:ext uri="{FF2B5EF4-FFF2-40B4-BE49-F238E27FC236}">
+                <a16:creationId xmlns:a16="http://schemas.microsoft.com/office/drawing/2014/main" id="{9DC6B2B4-0C9F-07B6-6355-00E580659FD0}"/>
+              </a:ext>
+            </a:extLst>
+          </p:cNvPr>
+          <p:cNvSpPr>
+            <a:spLocks noGrp="1"/>
+          </p:cNvSpPr>
+          <p:nvPr>
+            <p:ph idx="1"/>
+          </p:nvPr>
+        </p:nvSpPr>
+        <p:spPr>
+          <a:xfrm>
+            <a:off x="777240" y="664029"/>
+            <a:ext cx="10659110" cy="5512934"/>
+          </a:xfrm>
+        </p:spPr>
+        <p:txBody>
+          <a:bodyPr>
+            <a:normAutofit/>
+          </a:bodyPr>
+          <a:lstStyle/>
+          <a:p>
+            <a:pPr marL="0" indent="0">
+              <a:buNone/>
+            </a:pPr>
+            <a:r>
+              <a:rPr lang="en-IN" sz="2800" b="1" dirty="0"/>
+              <a:t>Code: </a:t>
+            </a:r>
+          </a:p>
+        </p:txBody>
+      </p:sp>
+      <p:pic>
+        <p:nvPicPr>
+          <p:cNvPr id="4" name="Picture 3">
+            <a:extLst>
+              <a:ext uri="{FF2B5EF4-FFF2-40B4-BE49-F238E27FC236}">
+                <a16:creationId xmlns:a16="http://schemas.microsoft.com/office/drawing/2014/main" id="{050ACBCF-1E81-3DF1-31A0-169C872783A7}"/>
+              </a:ext>
+            </a:extLst>
+          </p:cNvPr>
+          <p:cNvPicPr>
+            <a:picLocks noChangeAspect="1"/>
+          </p:cNvPicPr>
+          <p:nvPr/>
+        </p:nvPicPr>
+        <p:blipFill>
+          <a:blip r:embed="rId2"/>
+          <a:stretch>
+            <a:fillRect/>
+          </a:stretch>
+        </p:blipFill>
+        <p:spPr>
+          <a:xfrm>
+            <a:off x="2570329" y="-8504"/>
+            <a:ext cx="9621671" cy="6858000"/>
+          </a:xfrm>
+          <a:prstGeom prst="rect">
+            <a:avLst/>
+          </a:prstGeom>
+        </p:spPr>
+      </p:pic>
+    </p:spTree>
+    <p:extLst>
+      <p:ext uri="{BB962C8B-B14F-4D97-AF65-F5344CB8AC3E}">
+        <p14:creationId xmlns:p14="http://schemas.microsoft.com/office/powerpoint/2010/main" val="2472983860"/>
+      </p:ext>
+    </p:extLst>
+  </p:cSld>
+  <p:clrMapOvr>
+    <a:masterClrMapping/>
+  </p:clrMapOvr>
+</p:sld>
+</file>
+
+<file path=ppt/slides/slide69.xml><?xml version="1.0" encoding="utf-8"?>
+<p:sld xmlns:a="http://schemas.openxmlformats.org/drawingml/2006/main" xmlns:r="http://schemas.openxmlformats.org/officeDocument/2006/relationships" xmlns:p="http://schemas.openxmlformats.org/presentationml/2006/main">
+  <p:cSld>
+    <p:spTree>
+      <p:nvGrpSpPr>
+        <p:cNvPr id="1" name="">
+          <a:extLst>
+            <a:ext uri="{FF2B5EF4-FFF2-40B4-BE49-F238E27FC236}">
+              <a16:creationId xmlns:a16="http://schemas.microsoft.com/office/drawing/2014/main" id="{2433D3EA-E4AE-AB0E-8DEB-D9C32DEEC6BD}"/>
+            </a:ext>
+          </a:extLst>
+        </p:cNvPr>
+        <p:cNvGrpSpPr/>
+        <p:nvPr/>
+      </p:nvGrpSpPr>
+      <p:grpSpPr>
+        <a:xfrm>
+          <a:off x="0" y="0"/>
+          <a:ext cx="0" cy="0"/>
+          <a:chOff x="0" y="0"/>
+          <a:chExt cx="0" cy="0"/>
+        </a:xfrm>
+      </p:grpSpPr>
+      <p:sp>
+        <p:nvSpPr>
+          <p:cNvPr id="3" name="Content Placeholder 2">
+            <a:extLst>
+              <a:ext uri="{FF2B5EF4-FFF2-40B4-BE49-F238E27FC236}">
+                <a16:creationId xmlns:a16="http://schemas.microsoft.com/office/drawing/2014/main" id="{C55B1755-6D60-B235-565B-19A5BF4F7770}"/>
+              </a:ext>
+            </a:extLst>
+          </p:cNvPr>
+          <p:cNvSpPr>
+            <a:spLocks noGrp="1"/>
+          </p:cNvSpPr>
+          <p:nvPr>
+            <p:ph idx="1"/>
+          </p:nvPr>
+        </p:nvSpPr>
+        <p:spPr>
+          <a:xfrm>
+            <a:off x="777240" y="664029"/>
+            <a:ext cx="10659110" cy="5512934"/>
+          </a:xfrm>
+        </p:spPr>
+        <p:txBody>
+          <a:bodyPr>
+            <a:normAutofit/>
+          </a:bodyPr>
+          <a:lstStyle/>
+          <a:p>
+            <a:pPr marL="0" indent="0">
+              <a:buNone/>
+            </a:pPr>
+            <a:r>
+              <a:rPr lang="en-IN" sz="2800" b="1" dirty="0"/>
+              <a:t>Main:</a:t>
+            </a:r>
+          </a:p>
+        </p:txBody>
+      </p:sp>
+      <p:pic>
+        <p:nvPicPr>
+          <p:cNvPr id="4" name="Picture 3">
+            <a:extLst>
+              <a:ext uri="{FF2B5EF4-FFF2-40B4-BE49-F238E27FC236}">
+                <a16:creationId xmlns:a16="http://schemas.microsoft.com/office/drawing/2014/main" id="{562063F0-E420-499B-E7D8-216B62CFB503}"/>
+              </a:ext>
+            </a:extLst>
+          </p:cNvPr>
+          <p:cNvPicPr>
+            <a:picLocks noChangeAspect="1"/>
+          </p:cNvPicPr>
+          <p:nvPr/>
+        </p:nvPicPr>
+        <p:blipFill>
+          <a:blip r:embed="rId2"/>
+          <a:stretch>
+            <a:fillRect/>
+          </a:stretch>
+        </p:blipFill>
+        <p:spPr>
+          <a:xfrm>
+            <a:off x="3052514" y="151438"/>
+            <a:ext cx="6914286" cy="6380952"/>
+          </a:xfrm>
+          <a:prstGeom prst="rect">
+            <a:avLst/>
+          </a:prstGeom>
+        </p:spPr>
+      </p:pic>
+    </p:spTree>
+    <p:extLst>
+      <p:ext uri="{BB962C8B-B14F-4D97-AF65-F5344CB8AC3E}">
+        <p14:creationId xmlns:p14="http://schemas.microsoft.com/office/powerpoint/2010/main" val="1505654738"/>
+      </p:ext>
+    </p:extLst>
+  </p:cSld>
+  <p:clrMapOvr>
+    <a:masterClrMapping/>
+  </p:clrMapOvr>
+</p:sld>
+</file>
+
 <file path=ppt/slides/slide7.xml><?xml version="1.0" encoding="utf-8"?>
 <p:sld xmlns:a="http://schemas.openxmlformats.org/drawingml/2006/main" xmlns:r="http://schemas.openxmlformats.org/officeDocument/2006/relationships" xmlns:p="http://schemas.openxmlformats.org/presentationml/2006/main">
   <p:cSld>
@@ -16763,6 +19892,75 @@
     <p:extLst>
       <p:ext uri="{BB962C8B-B14F-4D97-AF65-F5344CB8AC3E}">
         <p14:creationId xmlns:p14="http://schemas.microsoft.com/office/powerpoint/2010/main" val="1195131739"/>
+      </p:ext>
+    </p:extLst>
+  </p:cSld>
+  <p:clrMapOvr>
+    <a:masterClrMapping/>
+  </p:clrMapOvr>
+</p:sld>
+</file>
+
+<file path=ppt/slides/slide70.xml><?xml version="1.0" encoding="utf-8"?>
+<p:sld xmlns:a="http://schemas.openxmlformats.org/drawingml/2006/main" xmlns:r="http://schemas.openxmlformats.org/officeDocument/2006/relationships" xmlns:p="http://schemas.openxmlformats.org/presentationml/2006/main">
+  <p:cSld>
+    <p:spTree>
+      <p:nvGrpSpPr>
+        <p:cNvPr id="1" name="">
+          <a:extLst>
+            <a:ext uri="{FF2B5EF4-FFF2-40B4-BE49-F238E27FC236}">
+              <a16:creationId xmlns:a16="http://schemas.microsoft.com/office/drawing/2014/main" id="{B0B8C48A-E3CF-37CD-5AB1-A25AD0E095A5}"/>
+            </a:ext>
+          </a:extLst>
+        </p:cNvPr>
+        <p:cNvGrpSpPr/>
+        <p:nvPr/>
+      </p:nvGrpSpPr>
+      <p:grpSpPr>
+        <a:xfrm>
+          <a:off x="0" y="0"/>
+          <a:ext cx="0" cy="0"/>
+          <a:chOff x="0" y="0"/>
+          <a:chExt cx="0" cy="0"/>
+        </a:xfrm>
+      </p:grpSpPr>
+      <p:sp>
+        <p:nvSpPr>
+          <p:cNvPr id="3" name="Content Placeholder 2">
+            <a:extLst>
+              <a:ext uri="{FF2B5EF4-FFF2-40B4-BE49-F238E27FC236}">
+                <a16:creationId xmlns:a16="http://schemas.microsoft.com/office/drawing/2014/main" id="{F59425BA-97A4-5DEF-0A1F-2354625C06A5}"/>
+              </a:ext>
+            </a:extLst>
+          </p:cNvPr>
+          <p:cNvSpPr>
+            <a:spLocks noGrp="1"/>
+          </p:cNvSpPr>
+          <p:nvPr>
+            <p:ph idx="1"/>
+          </p:nvPr>
+        </p:nvSpPr>
+        <p:spPr>
+          <a:xfrm>
+            <a:off x="777240" y="664029"/>
+            <a:ext cx="10659110" cy="5512934"/>
+          </a:xfrm>
+        </p:spPr>
+        <p:txBody>
+          <a:bodyPr/>
+          <a:lstStyle/>
+          <a:p>
+            <a:pPr marL="0" indent="0">
+              <a:buNone/>
+            </a:pPr>
+            <a:endParaRPr lang="en-IN" dirty="0"/>
+          </a:p>
+        </p:txBody>
+      </p:sp>
+    </p:spTree>
+    <p:extLst>
+      <p:ext uri="{BB962C8B-B14F-4D97-AF65-F5344CB8AC3E}">
+        <p14:creationId xmlns:p14="http://schemas.microsoft.com/office/powerpoint/2010/main" val="2153022912"/>
       </p:ext>
     </p:extLst>
   </p:cSld>

--- a/Theory Class-Notes/Unit-2 Arrays and Strings.pptx
+++ b/Theory Class-Notes/Unit-2 Arrays and Strings.pptx
@@ -16191,13 +16191,25 @@
             </a:r>
           </a:p>
           <a:p>
-            <a:pPr marL="457200" indent="-457200">
-              <a:buFont typeface="+mj-lt"/>
-              <a:buAutoNum type="arabicPeriod"/>
-            </a:pPr>
-            <a:r>
-              <a:rPr lang="en-US" sz="2400" dirty="0"/>
-              <a:t> Start from the </a:t>
+            <a:pPr marL="0" indent="0">
+              <a:buNone/>
+            </a:pPr>
+            <a:r>
+              <a:rPr lang="en-US" sz="2400" b="1" dirty="0"/>
+              <a:t>STEP-1: START</a:t>
+            </a:r>
+          </a:p>
+          <a:p>
+            <a:pPr marL="0" indent="0">
+              <a:buNone/>
+            </a:pPr>
+            <a:r>
+              <a:rPr lang="en-US" sz="2400" b="1" dirty="0"/>
+              <a:t>STEP-2: </a:t>
+            </a:r>
+            <a:r>
+              <a:rPr lang="en-US" sz="2400" dirty="0"/>
+              <a:t>Start from the </a:t>
             </a:r>
             <a:r>
               <a:rPr lang="en-US" sz="2400" b="1" dirty="0">
@@ -16213,13 +16225,16 @@
             </a:r>
           </a:p>
           <a:p>
-            <a:pPr marL="457200" indent="-457200">
-              <a:buFont typeface="+mj-lt"/>
-              <a:buAutoNum type="arabicPeriod"/>
-            </a:pPr>
-            <a:r>
-              <a:rPr lang="en-US" sz="2400" dirty="0"/>
-              <a:t> Find the </a:t>
+            <a:pPr marL="0" indent="0">
+              <a:buNone/>
+            </a:pPr>
+            <a:r>
+              <a:rPr lang="en-US" sz="2400" b="1" dirty="0"/>
+              <a:t>STEP-3: </a:t>
+            </a:r>
+            <a:r>
+              <a:rPr lang="en-US" sz="2400" dirty="0"/>
+              <a:t>Find the </a:t>
             </a:r>
             <a:r>
               <a:rPr lang="en-US" sz="2400" b="1" dirty="0">
@@ -16247,34 +16262,53 @@
             </a:r>
           </a:p>
           <a:p>
-            <a:pPr marL="457200" indent="-457200">
-              <a:buFont typeface="+mj-lt"/>
-              <a:buAutoNum type="arabicPeriod"/>
-            </a:pPr>
+            <a:pPr marL="0" indent="0">
+              <a:buNone/>
+            </a:pPr>
+            <a:r>
+              <a:rPr lang="en-US" sz="2400" b="1" dirty="0"/>
+              <a:t>STEP-4: </a:t>
+            </a:r>
             <a:r>
               <a:rPr lang="en-US" sz="2400" dirty="0"/>
               <a:t>Swap the smallest element with the first element of the unsorted part.</a:t>
             </a:r>
           </a:p>
           <a:p>
-            <a:pPr marL="457200" indent="-457200">
-              <a:buFont typeface="+mj-lt"/>
-              <a:buAutoNum type="arabicPeriod"/>
-            </a:pPr>
+            <a:pPr marL="0" indent="0">
+              <a:buNone/>
+            </a:pPr>
+            <a:r>
+              <a:rPr lang="en-US" sz="2400" b="1" dirty="0"/>
+              <a:t>STEP-5: </a:t>
+            </a:r>
             <a:r>
               <a:rPr lang="en-US" sz="2400" dirty="0"/>
               <a:t>Move the boundary of the sorted part one step to the right.</a:t>
             </a:r>
           </a:p>
           <a:p>
-            <a:pPr marL="457200" indent="-457200">
-              <a:buFont typeface="+mj-lt"/>
-              <a:buAutoNum type="arabicPeriod"/>
-            </a:pPr>
+            <a:pPr marL="0" indent="0">
+              <a:buNone/>
+            </a:pPr>
+            <a:r>
+              <a:rPr lang="en-US" sz="2400" b="1" dirty="0"/>
+              <a:t>STEP-6: </a:t>
+            </a:r>
             <a:r>
               <a:rPr lang="en-US" sz="2400" dirty="0"/>
               <a:t>Repeat the process for the remaining unsorted part of the array.</a:t>
             </a:r>
+          </a:p>
+          <a:p>
+            <a:pPr marL="0" indent="0">
+              <a:buNone/>
+            </a:pPr>
+            <a:r>
+              <a:rPr lang="en-US" sz="2400" b="1" dirty="0"/>
+              <a:t>STEP-7: STOP</a:t>
+            </a:r>
+            <a:endParaRPr lang="en-US" sz="2400" dirty="0"/>
           </a:p>
           <a:p>
             <a:pPr marL="0" indent="0">
@@ -18661,8 +18695,8 @@
         </p:blipFill>
         <p:spPr>
           <a:xfrm>
-            <a:off x="2657146" y="566057"/>
-            <a:ext cx="8108825" cy="6068540"/>
+            <a:off x="755650" y="0"/>
+            <a:ext cx="11417077" cy="8544393"/>
           </a:xfrm>
           <a:prstGeom prst="rect">
             <a:avLst/>
@@ -18766,7 +18800,7 @@
         </p:blipFill>
         <p:spPr>
           <a:xfrm>
-            <a:off x="3579146" y="283028"/>
+            <a:off x="3324458" y="413657"/>
             <a:ext cx="5543083" cy="6344573"/>
           </a:xfrm>
           <a:prstGeom prst="rect">
